--- a/20778B_05.pptx
+++ b/20778B_05.pptx
@@ -45,14 +45,14 @@
   <p:notesSz cx="6858000" cy="9144000"/>
   <p:embeddedFontLst>
     <p:embeddedFont>
-      <p:font typeface="Segoe UI" panose="020B0502040204020203" pitchFamily="34" charset="0"/>
+      <p:font typeface="Calibri" panose="020F0502020204030204" pitchFamily="34" charset="0"/>
       <p:regular r:id="rId35"/>
       <p:bold r:id="rId36"/>
       <p:italic r:id="rId37"/>
       <p:boldItalic r:id="rId38"/>
     </p:embeddedFont>
     <p:embeddedFont>
-      <p:font typeface="Calibri" panose="020F0502020204030204" pitchFamily="34" charset="0"/>
+      <p:font typeface="Segoe UI" panose="020B0502040204020203" pitchFamily="34" charset="0"/>
       <p:regular r:id="rId39"/>
       <p:bold r:id="rId40"/>
       <p:italic r:id="rId41"/>
@@ -191,6 +191,14 @@
       </a:defRPr>
     </a:lvl9pPr>
   </p:defaultTextStyle>
+  <p:extLst>
+    <p:ext uri="{EFAFB233-063F-42B5-8137-9DF3F51BA10A}">
+      <p15:sldGuideLst xmlns:p15="http://schemas.microsoft.com/office/powerpoint/2012/main"/>
+    </p:ext>
+    <p:ext uri="{2D200454-40CA-4A62-9FC3-DE9A4176ACB9}">
+      <p15:notesGuideLst xmlns:p15="http://schemas.microsoft.com/office/powerpoint/2012/main"/>
+    </p:ext>
+  </p:extLst>
 </p:presentation>
 </file>
 
@@ -276,7 +284,7 @@
           <a:p>
             <a:fld id="{9E249465-59FA-432C-BD3B-BE6870552761}" type="datetimeFigureOut">
               <a:rPr lang="en-US" smtClean="0"/>
-              <a:t>11/7/2017</a:t>
+              <a:t>7/31/2020</a:t>
             </a:fld>
             <a:endParaRPr lang="en-US" dirty="0"/>
           </a:p>
@@ -340,38 +348,37 @@
           <a:p>
             <a:pPr lvl="0"/>
             <a:r>
-              <a:rPr lang="en-US" smtClean="0"/>
+              <a:rPr lang="en-US"/>
               <a:t>Edit Master text styles</a:t>
             </a:r>
           </a:p>
           <a:p>
             <a:pPr lvl="1"/>
             <a:r>
-              <a:rPr lang="en-US" smtClean="0"/>
+              <a:rPr lang="en-US"/>
               <a:t>Second level</a:t>
             </a:r>
           </a:p>
           <a:p>
             <a:pPr lvl="2"/>
             <a:r>
-              <a:rPr lang="en-US" smtClean="0"/>
+              <a:rPr lang="en-US"/>
               <a:t>Third level</a:t>
             </a:r>
           </a:p>
           <a:p>
             <a:pPr lvl="3"/>
             <a:r>
-              <a:rPr lang="en-US" smtClean="0"/>
+              <a:rPr lang="en-US"/>
               <a:t>Fourth level</a:t>
             </a:r>
           </a:p>
           <a:p>
             <a:pPr lvl="4"/>
             <a:r>
-              <a:rPr lang="en-US" smtClean="0"/>
+              <a:rPr lang="en-US"/>
               <a:t>Fifth level</a:t>
             </a:r>
-            <a:endParaRPr lang="en-US"/>
           </a:p>
         </p:txBody>
       </p:sp>
@@ -710,7 +717,7 @@
           <a:lstStyle/>
           <a:p>
             <a:r>
-              <a:rPr lang="en-US" sz="1200" dirty="0" smtClean="0">
+              <a:rPr lang="en-US" sz="1200" dirty="0">
                 <a:solidFill>
                   <a:srgbClr val="000000"/>
                 </a:solidFill>
@@ -718,12 +725,6 @@
               </a:rPr>
               <a:t>20778B</a:t>
             </a:r>
-            <a:endParaRPr lang="en-US" sz="1200" dirty="0">
-              <a:solidFill>
-                <a:srgbClr val="000000"/>
-              </a:solidFill>
-              <a:latin typeface="Arial" panose="020B0604020202020204" pitchFamily="34" charset="0"/>
-            </a:endParaRPr>
           </a:p>
         </p:txBody>
       </p:sp>
@@ -790,7 +791,7 @@
           <a:lstStyle/>
           <a:p>
             <a:r>
-              <a:rPr lang="en-US" sz="1200" dirty="0" smtClean="0">
+              <a:rPr lang="en-US" sz="1200" dirty="0">
                 <a:solidFill>
                   <a:srgbClr val="336699"/>
                 </a:solidFill>
@@ -798,12 +799,6 @@
               </a:rPr>
               <a:t>5: Modeling Data</a:t>
             </a:r>
-            <a:endParaRPr lang="en-US" sz="1200" dirty="0">
-              <a:solidFill>
-                <a:srgbClr val="336699"/>
-              </a:solidFill>
-              <a:latin typeface="Arial" panose="020B0604020202020204" pitchFamily="34" charset="0"/>
-            </a:endParaRPr>
           </a:p>
         </p:txBody>
       </p:sp>
@@ -885,7 +880,7 @@
               </a:spcAft>
             </a:pPr>
             <a:r>
-              <a:rPr lang="en-GB" sz="1000" b="1" dirty="0" smtClean="0">
+              <a:rPr lang="en-GB" sz="1000" b="1" dirty="0">
                 <a:solidFill>
                   <a:prstClr val="black"/>
                 </a:solidFill>
@@ -893,18 +888,7 @@
                 <a:ea typeface="Calibri" panose="020F0502020204030204" pitchFamily="34" charset="0"/>
                 <a:cs typeface="Times New Roman" panose="02020603050405020304" pitchFamily="18" charset="0"/>
               </a:rPr>
-              <a:t>Demonstration </a:t>
-            </a:r>
-            <a:r>
-              <a:rPr lang="en-GB" sz="1000" b="1" dirty="0">
-                <a:solidFill>
-                  <a:prstClr val="black"/>
-                </a:solidFill>
-                <a:latin typeface="Arial" panose="020B0604020202020204" pitchFamily="34" charset="0"/>
-                <a:ea typeface="Calibri" panose="020F0502020204030204" pitchFamily="34" charset="0"/>
-                <a:cs typeface="Times New Roman" panose="02020603050405020304" pitchFamily="18" charset="0"/>
-              </a:rPr>
-              <a:t>Steps</a:t>
+              <a:t>Demonstration Steps</a:t>
             </a:r>
             <a:endParaRPr lang="en-US" sz="1000" dirty="0">
               <a:solidFill>
@@ -1269,10 +1253,10 @@
                 <a:ea typeface="Times New Roman" panose="02020603050405020304" pitchFamily="18" charset="0"/>
                 <a:cs typeface="Times New Roman" panose="02020603050405020304" pitchFamily="18" charset="0"/>
               </a:rPr>
-              <a:t>, </a:t>
-            </a:r>
-            <a:r>
-              <a:rPr lang="en-US" sz="1000" dirty="0" smtClean="0">
+              <a:t>, click </a:t>
+            </a:r>
+            <a:r>
+              <a:rPr lang="en-US" sz="1000" b="1" dirty="0">
                 <a:solidFill>
                   <a:prstClr val="black"/>
                 </a:solidFill>
@@ -1280,29 +1264,7 @@
                 <a:ea typeface="Times New Roman" panose="02020603050405020304" pitchFamily="18" charset="0"/>
                 <a:cs typeface="Times New Roman" panose="02020603050405020304" pitchFamily="18" charset="0"/>
               </a:rPr>
-              <a:t>click </a:t>
-            </a:r>
-            <a:r>
-              <a:rPr lang="en-US" sz="1000" b="1" dirty="0" smtClean="0">
-                <a:solidFill>
-                  <a:prstClr val="black"/>
-                </a:solidFill>
-                <a:latin typeface="Arial" panose="020B0604020202020204" pitchFamily="34" charset="0"/>
-                <a:ea typeface="Times New Roman" panose="02020603050405020304" pitchFamily="18" charset="0"/>
-                <a:cs typeface="Times New Roman" panose="02020603050405020304" pitchFamily="18" charset="0"/>
-              </a:rPr>
-              <a:t>Adventure </a:t>
-            </a:r>
-            <a:r>
-              <a:rPr lang="en-US" sz="1000" b="1" dirty="0">
-                <a:solidFill>
-                  <a:prstClr val="black"/>
-                </a:solidFill>
-                <a:latin typeface="Arial" panose="020B0604020202020204" pitchFamily="34" charset="0"/>
-                <a:ea typeface="Times New Roman" panose="02020603050405020304" pitchFamily="18" charset="0"/>
-                <a:cs typeface="Times New Roman" panose="02020603050405020304" pitchFamily="18" charset="0"/>
-              </a:rPr>
-              <a:t>Works Sales Data.xlsx</a:t>
+              <a:t>Adventure Works Sales Data.xlsx</a:t>
             </a:r>
             <a:r>
               <a:rPr lang="en-US" sz="1000" dirty="0">
@@ -2011,7 +1973,7 @@
           <a:lstStyle/>
           <a:p>
             <a:r>
-              <a:rPr lang="en-GB" sz="1000" b="0" dirty="0" smtClean="0">
+              <a:rPr lang="en-GB" sz="1000" b="0" dirty="0">
                 <a:latin typeface="Arial" panose="020B0604020202020204" pitchFamily="34" charset="0"/>
               </a:rPr>
               <a:t>(More notes on the next slide)</a:t>
@@ -2085,7 +2047,7 @@
           <a:lstStyle/>
           <a:p>
             <a:r>
-              <a:rPr lang="en-US" sz="1200" dirty="0" smtClean="0">
+              <a:rPr lang="en-US" sz="1200" dirty="0">
                 <a:solidFill>
                   <a:srgbClr val="000000"/>
                 </a:solidFill>
@@ -2093,12 +2055,6 @@
               </a:rPr>
               <a:t>20778B</a:t>
             </a:r>
-            <a:endParaRPr lang="en-US" sz="1200" dirty="0">
-              <a:solidFill>
-                <a:srgbClr val="000000"/>
-              </a:solidFill>
-              <a:latin typeface="Arial" panose="020B0604020202020204" pitchFamily="34" charset="0"/>
-            </a:endParaRPr>
           </a:p>
         </p:txBody>
       </p:sp>
@@ -2165,7 +2121,7 @@
           <a:lstStyle/>
           <a:p>
             <a:r>
-              <a:rPr lang="en-US" sz="1200" dirty="0" smtClean="0">
+              <a:rPr lang="en-US" sz="1200" dirty="0">
                 <a:solidFill>
                   <a:srgbClr val="336699"/>
                 </a:solidFill>
@@ -2173,12 +2129,6 @@
               </a:rPr>
               <a:t>5: Modeling Data</a:t>
             </a:r>
-            <a:endParaRPr lang="en-US" sz="1200" dirty="0">
-              <a:solidFill>
-                <a:srgbClr val="336699"/>
-              </a:solidFill>
-              <a:latin typeface="Arial" panose="020B0604020202020204" pitchFamily="34" charset="0"/>
-            </a:endParaRPr>
           </a:p>
         </p:txBody>
       </p:sp>
@@ -3473,7 +3423,7 @@
           <a:lstStyle/>
           <a:p>
             <a:r>
-              <a:rPr lang="en-GB" sz="1000" b="0" dirty="0" smtClean="0">
+              <a:rPr lang="en-GB" sz="1000" b="0" dirty="0">
                 <a:latin typeface="Arial" panose="020B0604020202020204" pitchFamily="34" charset="0"/>
               </a:rPr>
               <a:t>(More notes on the next slide)</a:t>
@@ -3547,7 +3497,7 @@
           <a:lstStyle/>
           <a:p>
             <a:r>
-              <a:rPr lang="en-US" sz="1200" dirty="0" smtClean="0">
+              <a:rPr lang="en-US" sz="1200" dirty="0">
                 <a:solidFill>
                   <a:srgbClr val="000000"/>
                 </a:solidFill>
@@ -3555,12 +3505,6 @@
               </a:rPr>
               <a:t>20778B</a:t>
             </a:r>
-            <a:endParaRPr lang="en-US" sz="1200" dirty="0">
-              <a:solidFill>
-                <a:srgbClr val="000000"/>
-              </a:solidFill>
-              <a:latin typeface="Arial" panose="020B0604020202020204" pitchFamily="34" charset="0"/>
-            </a:endParaRPr>
           </a:p>
         </p:txBody>
       </p:sp>
@@ -3627,7 +3571,7 @@
           <a:lstStyle/>
           <a:p>
             <a:r>
-              <a:rPr lang="en-US" sz="1200" dirty="0" smtClean="0">
+              <a:rPr lang="en-US" sz="1200" dirty="0">
                 <a:solidFill>
                   <a:srgbClr val="336699"/>
                 </a:solidFill>
@@ -3635,12 +3579,6 @@
               </a:rPr>
               <a:t>5: Modeling Data</a:t>
             </a:r>
-            <a:endParaRPr lang="en-US" sz="1200" dirty="0">
-              <a:solidFill>
-                <a:srgbClr val="336699"/>
-              </a:solidFill>
-              <a:latin typeface="Arial" panose="020B0604020202020204" pitchFamily="34" charset="0"/>
-            </a:endParaRPr>
           </a:p>
         </p:txBody>
       </p:sp>
@@ -4969,18 +4907,7 @@
                 <a:ea typeface="Times New Roman" panose="02020603050405020304" pitchFamily="18" charset="0"/>
                 <a:cs typeface="Times New Roman" panose="02020603050405020304" pitchFamily="18" charset="0"/>
               </a:rPr>
-              <a:t> is now a star </a:t>
-            </a:r>
-            <a:r>
-              <a:rPr lang="en-US" sz="1000" dirty="0" smtClean="0">
-                <a:solidFill>
-                  <a:srgbClr val="000000"/>
-                </a:solidFill>
-                <a:latin typeface="Arial" panose="020B0604020202020204" pitchFamily="34" charset="0"/>
-                <a:ea typeface="Times New Roman" panose="02020603050405020304" pitchFamily="18" charset="0"/>
-                <a:cs typeface="Times New Roman" panose="02020603050405020304" pitchFamily="18" charset="0"/>
-              </a:rPr>
-              <a:t>icon.</a:t>
+              <a:t> is now a star icon.</a:t>
             </a:r>
             <a:endParaRPr lang="en-US" sz="1000" dirty="0">
               <a:solidFill>
@@ -5003,7 +4930,7 @@
               <a:buAutoNum type="arabicPeriod" startAt="26"/>
             </a:pPr>
             <a:r>
-              <a:rPr lang="en-US" sz="1000" dirty="0" smtClean="0">
+              <a:rPr lang="en-US" sz="1000" dirty="0">
                 <a:solidFill>
                   <a:srgbClr val="000000"/>
                 </a:solidFill>
@@ -5014,7 +4941,7 @@
               <a:t>Click </a:t>
             </a:r>
             <a:r>
-              <a:rPr lang="en-US" sz="1000" b="1" dirty="0" smtClean="0">
+              <a:rPr lang="en-US" sz="1000" b="1" dirty="0">
                 <a:solidFill>
                   <a:prstClr val="black"/>
                 </a:solidFill>
@@ -5025,7 +4952,7 @@
               <a:t>Save</a:t>
             </a:r>
             <a:r>
-              <a:rPr lang="en-US" sz="1000" dirty="0" smtClean="0">
+              <a:rPr lang="en-US" sz="1000" dirty="0">
                 <a:solidFill>
                   <a:srgbClr val="000000"/>
                 </a:solidFill>
@@ -5036,7 +4963,7 @@
               <a:t>, and save the file to the </a:t>
             </a:r>
             <a:r>
-              <a:rPr lang="en-US" sz="1000" b="1" dirty="0" smtClean="0">
+              <a:rPr lang="en-US" sz="1000" b="1" dirty="0">
                 <a:solidFill>
                   <a:prstClr val="black"/>
                 </a:solidFill>
@@ -5047,7 +4974,7 @@
               <a:t>D:\Demofiles\Mod05\Demo</a:t>
             </a:r>
             <a:r>
-              <a:rPr lang="en-US" sz="1000" dirty="0" smtClean="0">
+              <a:rPr lang="en-US" sz="1000" dirty="0">
                 <a:solidFill>
                   <a:srgbClr val="000000"/>
                 </a:solidFill>
@@ -5058,7 +4985,7 @@
               <a:t> folder as </a:t>
             </a:r>
             <a:r>
-              <a:rPr lang="en-US" sz="1000" b="1" dirty="0" smtClean="0">
+              <a:rPr lang="en-US" sz="1000" b="1" dirty="0">
                 <a:solidFill>
                   <a:prstClr val="black"/>
                 </a:solidFill>
@@ -5066,21 +4993,10 @@
                 <a:ea typeface="Times New Roman" panose="02020603050405020304" pitchFamily="18" charset="0"/>
                 <a:cs typeface="Times New Roman" panose="02020603050405020304" pitchFamily="18" charset="0"/>
               </a:rPr>
-              <a:t>Adventure Work </a:t>
-            </a:r>
-            <a:r>
-              <a:rPr lang="en-US" sz="1000" b="1" dirty="0" smtClean="0">
-                <a:solidFill>
-                  <a:prstClr val="black"/>
-                </a:solidFill>
-                <a:latin typeface="Arial" panose="020B0604020202020204" pitchFamily="34" charset="0"/>
-                <a:ea typeface="Times New Roman" panose="02020603050405020304" pitchFamily="18" charset="0"/>
-                <a:cs typeface="Times New Roman" panose="02020603050405020304" pitchFamily="18" charset="0"/>
-              </a:rPr>
-              <a:t>Sales.pbix</a:t>
-            </a:r>
-            <a:r>
-              <a:rPr lang="en-US" sz="1000" dirty="0" smtClean="0">
+              <a:t>Adventure Work Sales.pbix</a:t>
+            </a:r>
+            <a:r>
+              <a:rPr lang="en-US" sz="1000" dirty="0">
                 <a:solidFill>
                   <a:srgbClr val="000000"/>
                 </a:solidFill>
@@ -5111,26 +5027,15 @@
               <a:buAutoNum type="arabicPeriod" startAt="26"/>
             </a:pPr>
             <a:r>
-              <a:rPr lang="en-US" sz="1000" dirty="0" smtClean="0">
-                <a:solidFill>
-                  <a:srgbClr val="000000"/>
-                </a:solidFill>
-                <a:latin typeface="Arial" panose="020B0604020202020204" pitchFamily="34" charset="0"/>
-                <a:ea typeface="Times New Roman" panose="02020603050405020304" pitchFamily="18" charset="0"/>
-                <a:cs typeface="Times New Roman" panose="02020603050405020304" pitchFamily="18" charset="0"/>
-              </a:rPr>
-              <a:t>Leave </a:t>
-            </a:r>
-            <a:r>
-              <a:rPr lang="en-US" sz="1000" dirty="0">
-                <a:solidFill>
-                  <a:srgbClr val="000000"/>
-                </a:solidFill>
-                <a:latin typeface="Arial" panose="020B0604020202020204" pitchFamily="34" charset="0"/>
-                <a:ea typeface="Times New Roman" panose="02020603050405020304" pitchFamily="18" charset="0"/>
-                <a:cs typeface="Times New Roman" panose="02020603050405020304" pitchFamily="18" charset="0"/>
-              </a:rPr>
-              <a:t>Power BI Desktop open for the next demonstration.</a:t>
+              <a:rPr lang="en-US" sz="1000" dirty="0">
+                <a:solidFill>
+                  <a:srgbClr val="000000"/>
+                </a:solidFill>
+                <a:latin typeface="Arial" panose="020B0604020202020204" pitchFamily="34" charset="0"/>
+                <a:ea typeface="Times New Roman" panose="02020603050405020304" pitchFamily="18" charset="0"/>
+                <a:cs typeface="Times New Roman" panose="02020603050405020304" pitchFamily="18" charset="0"/>
+              </a:rPr>
+              <a:t>Leave Power BI Desktop open for the next demonstration.</a:t>
             </a:r>
             <a:endParaRPr lang="en-US" sz="1000" dirty="0">
               <a:solidFill>
@@ -5202,7 +5107,7 @@
           <a:lstStyle/>
           <a:p>
             <a:r>
-              <a:rPr lang="en-GB" sz="1000" b="0" dirty="0" smtClean="0">
+              <a:rPr lang="en-GB" sz="1000" b="0" dirty="0">
                 <a:latin typeface="Arial" panose="020B0604020202020204" pitchFamily="34" charset="0"/>
               </a:rPr>
               <a:t>(More notes on the next slide)</a:t>
@@ -5276,7 +5181,7 @@
           <a:lstStyle/>
           <a:p>
             <a:r>
-              <a:rPr lang="en-US" sz="1200" dirty="0" smtClean="0">
+              <a:rPr lang="en-US" sz="1200" dirty="0">
                 <a:solidFill>
                   <a:srgbClr val="000000"/>
                 </a:solidFill>
@@ -5284,12 +5189,6 @@
               </a:rPr>
               <a:t>20778B</a:t>
             </a:r>
-            <a:endParaRPr lang="en-US" sz="1200" dirty="0">
-              <a:solidFill>
-                <a:srgbClr val="000000"/>
-              </a:solidFill>
-              <a:latin typeface="Arial" panose="020B0604020202020204" pitchFamily="34" charset="0"/>
-            </a:endParaRPr>
           </a:p>
         </p:txBody>
       </p:sp>
@@ -5356,7 +5255,7 @@
           <a:lstStyle/>
           <a:p>
             <a:r>
-              <a:rPr lang="en-US" sz="1200" dirty="0" smtClean="0">
+              <a:rPr lang="en-US" sz="1200" dirty="0">
                 <a:solidFill>
                   <a:srgbClr val="336699"/>
                 </a:solidFill>
@@ -5364,12 +5263,6 @@
               </a:rPr>
               <a:t>5: Modeling Data</a:t>
             </a:r>
-            <a:endParaRPr lang="en-US" sz="1200" dirty="0">
-              <a:solidFill>
-                <a:srgbClr val="336699"/>
-              </a:solidFill>
-              <a:latin typeface="Arial" panose="020B0604020202020204" pitchFamily="34" charset="0"/>
-            </a:endParaRPr>
           </a:p>
         </p:txBody>
       </p:sp>
@@ -5451,7 +5344,7 @@
               </a:spcAft>
             </a:pPr>
             <a:r>
-              <a:rPr lang="en-GB" sz="1000" b="1" dirty="0" smtClean="0">
+              <a:rPr lang="en-GB" sz="1000" b="1" dirty="0">
                 <a:solidFill>
                   <a:prstClr val="black"/>
                 </a:solidFill>
@@ -5691,29 +5584,7 @@
                 <a:ea typeface="Calibri" panose="020F0502020204030204" pitchFamily="34" charset="0"/>
                 <a:cs typeface="Times New Roman" panose="02020603050405020304" pitchFamily="18" charset="0"/>
               </a:rPr>
-              <a:t>(</a:t>
-            </a:r>
-            <a:r>
-              <a:rPr lang="en-GB" sz="1000" dirty="0" smtClean="0">
-                <a:solidFill>
-                  <a:prstClr val="black"/>
-                </a:solidFill>
-                <a:latin typeface="Arial" panose="020B0604020202020204" pitchFamily="34" charset="0"/>
-                <a:ea typeface="Calibri" panose="020F0502020204030204" pitchFamily="34" charset="0"/>
-                <a:cs typeface="Times New Roman" panose="02020603050405020304" pitchFamily="18" charset="0"/>
-              </a:rPr>
-              <a:t>√ ) </a:t>
-            </a:r>
-            <a:r>
-              <a:rPr lang="en-GB" sz="1000" dirty="0">
-                <a:solidFill>
-                  <a:prstClr val="black"/>
-                </a:solidFill>
-                <a:latin typeface="Arial" panose="020B0604020202020204" pitchFamily="34" charset="0"/>
-                <a:ea typeface="Calibri" panose="020F0502020204030204" pitchFamily="34" charset="0"/>
-                <a:cs typeface="Times New Roman" panose="02020603050405020304" pitchFamily="18" charset="0"/>
-              </a:rPr>
-              <a:t>Option 5: After Power BI automatically creates a relationship, you cannot change the cardinality or cross filter direction options.</a:t>
+              <a:t>(√ ) Option 5: After Power BI automatically creates a relationship, you cannot change the cardinality or cross filter direction options.</a:t>
             </a:r>
             <a:endParaRPr lang="en-US" dirty="0"/>
           </a:p>
@@ -5765,7 +5636,7 @@
           <a:lstStyle/>
           <a:p>
             <a:r>
-              <a:rPr lang="en-GB" sz="1000" b="0" dirty="0" smtClean="0">
+              <a:rPr lang="en-GB" sz="1000" b="0" dirty="0">
                 <a:latin typeface="Arial" panose="020B0604020202020204" pitchFamily="34" charset="0"/>
               </a:rPr>
               <a:t>(More notes on the next slide)</a:t>
@@ -5839,7 +5710,7 @@
           <a:lstStyle/>
           <a:p>
             <a:r>
-              <a:rPr lang="en-US" sz="1200" dirty="0" smtClean="0">
+              <a:rPr lang="en-US" sz="1200" dirty="0">
                 <a:solidFill>
                   <a:srgbClr val="000000"/>
                 </a:solidFill>
@@ -5847,12 +5718,6 @@
               </a:rPr>
               <a:t>20778B</a:t>
             </a:r>
-            <a:endParaRPr lang="en-US" sz="1200" dirty="0">
-              <a:solidFill>
-                <a:srgbClr val="000000"/>
-              </a:solidFill>
-              <a:latin typeface="Arial" panose="020B0604020202020204" pitchFamily="34" charset="0"/>
-            </a:endParaRPr>
           </a:p>
         </p:txBody>
       </p:sp>
@@ -5919,7 +5784,7 @@
           <a:lstStyle/>
           <a:p>
             <a:r>
-              <a:rPr lang="en-US" sz="1200" dirty="0" smtClean="0">
+              <a:rPr lang="en-US" sz="1200" dirty="0">
                 <a:solidFill>
                   <a:srgbClr val="336699"/>
                 </a:solidFill>
@@ -5927,12 +5792,6 @@
               </a:rPr>
               <a:t>5: Modeling Data</a:t>
             </a:r>
-            <a:endParaRPr lang="en-US" sz="1200" dirty="0">
-              <a:solidFill>
-                <a:srgbClr val="336699"/>
-              </a:solidFill>
-              <a:latin typeface="Arial" panose="020B0604020202020204" pitchFamily="34" charset="0"/>
-            </a:endParaRPr>
           </a:p>
         </p:txBody>
       </p:sp>
@@ -6120,7 +5979,7 @@
           <a:lstStyle/>
           <a:p>
             <a:r>
-              <a:rPr lang="en-US" sz="1200" dirty="0" smtClean="0">
+              <a:rPr lang="en-US" sz="1200" dirty="0">
                 <a:solidFill>
                   <a:srgbClr val="000000"/>
                 </a:solidFill>
@@ -6128,12 +5987,6 @@
               </a:rPr>
               <a:t>20778B</a:t>
             </a:r>
-            <a:endParaRPr lang="en-US" sz="1200" dirty="0">
-              <a:solidFill>
-                <a:srgbClr val="000000"/>
-              </a:solidFill>
-              <a:latin typeface="Arial" panose="020B0604020202020204" pitchFamily="34" charset="0"/>
-            </a:endParaRPr>
           </a:p>
         </p:txBody>
       </p:sp>
@@ -6200,7 +6053,7 @@
           <a:lstStyle/>
           <a:p>
             <a:r>
-              <a:rPr lang="en-US" sz="1200" dirty="0" smtClean="0">
+              <a:rPr lang="en-US" sz="1200" dirty="0">
                 <a:solidFill>
                   <a:srgbClr val="336699"/>
                 </a:solidFill>
@@ -6208,12 +6061,6 @@
               </a:rPr>
               <a:t>5: Modeling Data</a:t>
             </a:r>
-            <a:endParaRPr lang="en-US" sz="1200" dirty="0">
-              <a:solidFill>
-                <a:srgbClr val="336699"/>
-              </a:solidFill>
-              <a:latin typeface="Arial" panose="020B0604020202020204" pitchFamily="34" charset="0"/>
-            </a:endParaRPr>
           </a:p>
         </p:txBody>
       </p:sp>
@@ -6378,7 +6225,7 @@
           <a:lstStyle/>
           <a:p>
             <a:r>
-              <a:rPr lang="en-US" sz="1200" dirty="0" smtClean="0">
+              <a:rPr lang="en-US" sz="1200" dirty="0">
                 <a:solidFill>
                   <a:srgbClr val="000000"/>
                 </a:solidFill>
@@ -6386,12 +6233,6 @@
               </a:rPr>
               <a:t>20778B</a:t>
             </a:r>
-            <a:endParaRPr lang="en-US" sz="1200" dirty="0">
-              <a:solidFill>
-                <a:srgbClr val="000000"/>
-              </a:solidFill>
-              <a:latin typeface="Arial" panose="020B0604020202020204" pitchFamily="34" charset="0"/>
-            </a:endParaRPr>
           </a:p>
         </p:txBody>
       </p:sp>
@@ -6458,7 +6299,7 @@
           <a:lstStyle/>
           <a:p>
             <a:r>
-              <a:rPr lang="en-US" sz="1200" dirty="0" smtClean="0">
+              <a:rPr lang="en-US" sz="1200" dirty="0">
                 <a:solidFill>
                   <a:srgbClr val="336699"/>
                 </a:solidFill>
@@ -6466,12 +6307,6 @@
               </a:rPr>
               <a:t>5: Modeling Data</a:t>
             </a:r>
-            <a:endParaRPr lang="en-US" sz="1200" dirty="0">
-              <a:solidFill>
-                <a:srgbClr val="336699"/>
-              </a:solidFill>
-              <a:latin typeface="Arial" panose="020B0604020202020204" pitchFamily="34" charset="0"/>
-            </a:endParaRPr>
           </a:p>
         </p:txBody>
       </p:sp>
@@ -6654,7 +6489,7 @@
           <a:lstStyle/>
           <a:p>
             <a:r>
-              <a:rPr lang="en-US" sz="1200" dirty="0" smtClean="0">
+              <a:rPr lang="en-US" sz="1200" dirty="0">
                 <a:solidFill>
                   <a:srgbClr val="000000"/>
                 </a:solidFill>
@@ -6662,12 +6497,6 @@
               </a:rPr>
               <a:t>20778B</a:t>
             </a:r>
-            <a:endParaRPr lang="en-US" sz="1200" dirty="0">
-              <a:solidFill>
-                <a:srgbClr val="000000"/>
-              </a:solidFill>
-              <a:latin typeface="Arial" panose="020B0604020202020204" pitchFamily="34" charset="0"/>
-            </a:endParaRPr>
           </a:p>
         </p:txBody>
       </p:sp>
@@ -6734,7 +6563,7 @@
           <a:lstStyle/>
           <a:p>
             <a:r>
-              <a:rPr lang="en-US" sz="1200" dirty="0" smtClean="0">
+              <a:rPr lang="en-US" sz="1200" dirty="0">
                 <a:solidFill>
                   <a:srgbClr val="336699"/>
                 </a:solidFill>
@@ -6742,12 +6571,6 @@
               </a:rPr>
               <a:t>5: Modeling Data</a:t>
             </a:r>
-            <a:endParaRPr lang="en-US" sz="1200" dirty="0">
-              <a:solidFill>
-                <a:srgbClr val="336699"/>
-              </a:solidFill>
-              <a:latin typeface="Arial" panose="020B0604020202020204" pitchFamily="34" charset="0"/>
-            </a:endParaRPr>
           </a:p>
         </p:txBody>
       </p:sp>
@@ -6930,7 +6753,7 @@
           <a:lstStyle/>
           <a:p>
             <a:r>
-              <a:rPr lang="en-US" sz="1200" dirty="0" smtClean="0">
+              <a:rPr lang="en-US" sz="1200" dirty="0">
                 <a:solidFill>
                   <a:srgbClr val="000000"/>
                 </a:solidFill>
@@ -6938,12 +6761,6 @@
               </a:rPr>
               <a:t>20778B</a:t>
             </a:r>
-            <a:endParaRPr lang="en-US" sz="1200" dirty="0">
-              <a:solidFill>
-                <a:srgbClr val="000000"/>
-              </a:solidFill>
-              <a:latin typeface="Arial" panose="020B0604020202020204" pitchFamily="34" charset="0"/>
-            </a:endParaRPr>
           </a:p>
         </p:txBody>
       </p:sp>
@@ -7010,7 +6827,7 @@
           <a:lstStyle/>
           <a:p>
             <a:r>
-              <a:rPr lang="en-US" sz="1200" dirty="0" smtClean="0">
+              <a:rPr lang="en-US" sz="1200" dirty="0">
                 <a:solidFill>
                   <a:srgbClr val="336699"/>
                 </a:solidFill>
@@ -7018,12 +6835,6 @@
               </a:rPr>
               <a:t>5: Modeling Data</a:t>
             </a:r>
-            <a:endParaRPr lang="en-US" sz="1200" dirty="0">
-              <a:solidFill>
-                <a:srgbClr val="336699"/>
-              </a:solidFill>
-              <a:latin typeface="Arial" panose="020B0604020202020204" pitchFamily="34" charset="0"/>
-            </a:endParaRPr>
           </a:p>
         </p:txBody>
       </p:sp>
@@ -7206,7 +7017,7 @@
           <a:lstStyle/>
           <a:p>
             <a:r>
-              <a:rPr lang="en-US" sz="1200" dirty="0" smtClean="0">
+              <a:rPr lang="en-US" sz="1200" dirty="0">
                 <a:solidFill>
                   <a:srgbClr val="000000"/>
                 </a:solidFill>
@@ -7214,12 +7025,6 @@
               </a:rPr>
               <a:t>20778B</a:t>
             </a:r>
-            <a:endParaRPr lang="en-US" sz="1200" dirty="0">
-              <a:solidFill>
-                <a:srgbClr val="000000"/>
-              </a:solidFill>
-              <a:latin typeface="Arial" panose="020B0604020202020204" pitchFamily="34" charset="0"/>
-            </a:endParaRPr>
           </a:p>
         </p:txBody>
       </p:sp>
@@ -7286,7 +7091,7 @@
           <a:lstStyle/>
           <a:p>
             <a:r>
-              <a:rPr lang="en-US" sz="1200" dirty="0" smtClean="0">
+              <a:rPr lang="en-US" sz="1200" dirty="0">
                 <a:solidFill>
                   <a:srgbClr val="336699"/>
                 </a:solidFill>
@@ -7294,12 +7099,6 @@
               </a:rPr>
               <a:t>5: Modeling Data</a:t>
             </a:r>
-            <a:endParaRPr lang="en-US" sz="1200" dirty="0">
-              <a:solidFill>
-                <a:srgbClr val="336699"/>
-              </a:solidFill>
-              <a:latin typeface="Arial" panose="020B0604020202020204" pitchFamily="34" charset="0"/>
-            </a:endParaRPr>
           </a:p>
         </p:txBody>
       </p:sp>
@@ -7381,7 +7180,7 @@
               </a:spcAft>
             </a:pPr>
             <a:r>
-              <a:rPr lang="en-GB" sz="1000" b="1" dirty="0" smtClean="0">
+              <a:rPr lang="en-GB" sz="1000" b="1" dirty="0">
                 <a:effectLst/>
                 <a:latin typeface="Arial" panose="020B0604020202020204" pitchFamily="34" charset="0"/>
                 <a:ea typeface="Calibri" panose="020F0502020204030204" pitchFamily="34" charset="0"/>
@@ -7389,7 +7188,7 @@
               </a:rPr>
               <a:t>Preparation Steps</a:t>
             </a:r>
-            <a:endParaRPr lang="en-US" sz="1000" dirty="0" smtClean="0">
+            <a:endParaRPr lang="en-US" sz="1000" dirty="0">
               <a:effectLst/>
               <a:latin typeface="Arial" panose="020B0604020202020204" pitchFamily="34" charset="0"/>
               <a:ea typeface="Calibri" panose="020F0502020204030204" pitchFamily="34" charset="0"/>
@@ -7406,7 +7205,7 @@
               </a:spcAft>
             </a:pPr>
             <a:r>
-              <a:rPr lang="en-GB" sz="1000" dirty="0" smtClean="0">
+              <a:rPr lang="en-GB" sz="1000" dirty="0">
                 <a:effectLst/>
                 <a:latin typeface="Arial" panose="020B0604020202020204" pitchFamily="34" charset="0"/>
                 <a:ea typeface="Calibri" panose="020F0502020204030204" pitchFamily="34" charset="0"/>
@@ -7414,7 +7213,7 @@
               </a:rPr>
               <a:t>Complete the previous demos in this module.</a:t>
             </a:r>
-            <a:endParaRPr lang="en-US" sz="1000" dirty="0" smtClean="0">
+            <a:endParaRPr lang="en-US" sz="1000" dirty="0">
               <a:effectLst/>
               <a:latin typeface="Arial" panose="020B0604020202020204" pitchFamily="34" charset="0"/>
               <a:ea typeface="Calibri" panose="020F0502020204030204" pitchFamily="34" charset="0"/>
@@ -7431,7 +7230,7 @@
               </a:spcAft>
             </a:pPr>
             <a:r>
-              <a:rPr lang="en-GB" sz="1000" b="1" dirty="0" smtClean="0">
+              <a:rPr lang="en-GB" sz="1000" b="1" dirty="0">
                 <a:effectLst/>
                 <a:latin typeface="Arial" panose="020B0604020202020204" pitchFamily="34" charset="0"/>
                 <a:ea typeface="Calibri" panose="020F0502020204030204" pitchFamily="34" charset="0"/>
@@ -7439,7 +7238,7 @@
               </a:rPr>
               <a:t>Demonstration Steps</a:t>
             </a:r>
-            <a:endParaRPr lang="en-US" sz="1000" dirty="0" smtClean="0">
+            <a:endParaRPr lang="en-US" sz="1000" dirty="0">
               <a:effectLst/>
               <a:latin typeface="Arial" panose="020B0604020202020204" pitchFamily="34" charset="0"/>
               <a:ea typeface="Calibri" panose="020F0502020204030204" pitchFamily="34" charset="0"/>
@@ -7674,7 +7473,7 @@
               </a:spcAft>
             </a:pPr>
             <a:r>
-              <a:rPr lang="en-US" sz="1000" dirty="0" smtClean="0">
+              <a:rPr lang="en-US" sz="1000" dirty="0">
                 <a:effectLst/>
                 <a:latin typeface="Arial" panose="020B0604020202020204" pitchFamily="34" charset="0"/>
                 <a:ea typeface="Times New Roman" panose="02020603050405020304" pitchFamily="18" charset="0"/>
@@ -7825,7 +7624,7 @@
               </a:spcAft>
             </a:pPr>
             <a:r>
-              <a:rPr lang="en-US" sz="1000" dirty="0" smtClean="0">
+              <a:rPr lang="en-US" sz="1000" dirty="0">
                 <a:effectLst/>
                 <a:latin typeface="Arial" panose="020B0604020202020204" pitchFamily="34" charset="0"/>
                 <a:ea typeface="Times New Roman" panose="02020603050405020304" pitchFamily="18" charset="0"/>
@@ -8302,7 +8101,7 @@
           <a:lstStyle/>
           <a:p>
             <a:r>
-              <a:rPr lang="en-US" sz="1200" dirty="0" smtClean="0">
+              <a:rPr lang="en-US" sz="1200" dirty="0">
                 <a:solidFill>
                   <a:srgbClr val="000000"/>
                 </a:solidFill>
@@ -8310,12 +8109,6 @@
               </a:rPr>
               <a:t>20778B</a:t>
             </a:r>
-            <a:endParaRPr lang="en-US" sz="1200" dirty="0">
-              <a:solidFill>
-                <a:srgbClr val="000000"/>
-              </a:solidFill>
-              <a:latin typeface="Arial" panose="020B0604020202020204" pitchFamily="34" charset="0"/>
-            </a:endParaRPr>
           </a:p>
         </p:txBody>
       </p:sp>
@@ -8382,7 +8175,7 @@
           <a:lstStyle/>
           <a:p>
             <a:r>
-              <a:rPr lang="en-US" sz="1200" dirty="0" smtClean="0">
+              <a:rPr lang="en-US" sz="1200" dirty="0">
                 <a:solidFill>
                   <a:srgbClr val="336699"/>
                 </a:solidFill>
@@ -8390,12 +8183,6 @@
               </a:rPr>
               <a:t>5: Modeling Data</a:t>
             </a:r>
-            <a:endParaRPr lang="en-US" sz="1200" dirty="0">
-              <a:solidFill>
-                <a:srgbClr val="336699"/>
-              </a:solidFill>
-              <a:latin typeface="Arial" panose="020B0604020202020204" pitchFamily="34" charset="0"/>
-            </a:endParaRPr>
           </a:p>
         </p:txBody>
       </p:sp>
@@ -8422,7 +8209,7 @@
           <a:lstStyle/>
           <a:p>
             <a:r>
-              <a:rPr lang="en-GB" sz="1000" b="0" dirty="0" smtClean="0">
+              <a:rPr lang="en-GB" sz="1000" b="0" dirty="0">
                 <a:latin typeface="Arial" panose="020B0604020202020204" pitchFamily="34" charset="0"/>
               </a:rPr>
               <a:t>(More notes on the next slide)</a:t>
@@ -8612,7 +8399,7 @@
           <a:lstStyle/>
           <a:p>
             <a:r>
-              <a:rPr lang="en-US" sz="1200" dirty="0" smtClean="0">
+              <a:rPr lang="en-US" sz="1200" dirty="0">
                 <a:solidFill>
                   <a:srgbClr val="000000"/>
                 </a:solidFill>
@@ -8620,12 +8407,6 @@
               </a:rPr>
               <a:t>20778B</a:t>
             </a:r>
-            <a:endParaRPr lang="en-US" sz="1200" dirty="0">
-              <a:solidFill>
-                <a:srgbClr val="000000"/>
-              </a:solidFill>
-              <a:latin typeface="Arial" panose="020B0604020202020204" pitchFamily="34" charset="0"/>
-            </a:endParaRPr>
           </a:p>
         </p:txBody>
       </p:sp>
@@ -8692,7 +8473,7 @@
           <a:lstStyle/>
           <a:p>
             <a:r>
-              <a:rPr lang="en-US" sz="1200" dirty="0" smtClean="0">
+              <a:rPr lang="en-US" sz="1200" dirty="0">
                 <a:solidFill>
                   <a:srgbClr val="336699"/>
                 </a:solidFill>
@@ -8700,12 +8481,6 @@
               </a:rPr>
               <a:t>5: Modeling Data</a:t>
             </a:r>
-            <a:endParaRPr lang="en-US" sz="1200" dirty="0">
-              <a:solidFill>
-                <a:srgbClr val="336699"/>
-              </a:solidFill>
-              <a:latin typeface="Arial" panose="020B0604020202020204" pitchFamily="34" charset="0"/>
-            </a:endParaRPr>
           </a:p>
         </p:txBody>
       </p:sp>
@@ -8861,17 +8636,9 @@
                 <a:ea typeface="Calibri" panose="020F0502020204030204" pitchFamily="34" charset="0"/>
                 <a:cs typeface="Times New Roman" panose="02020603050405020304" pitchFamily="18" charset="0"/>
               </a:rPr>
-              <a:t>(   )Option 2: </a:t>
-            </a:r>
-            <a:r>
-              <a:rPr lang="en-GB" sz="1000" dirty="0" smtClean="0">
-                <a:latin typeface="Arial" panose="020B0604020202020204" pitchFamily="34" charset="0"/>
-                <a:ea typeface="Calibri" panose="020F0502020204030204" pitchFamily="34" charset="0"/>
-                <a:cs typeface="Times New Roman" panose="02020603050405020304" pitchFamily="18" charset="0"/>
-              </a:rPr>
-              <a:t>MEDIAN</a:t>
-            </a:r>
-            <a:endParaRPr lang="en-GB" sz="1000" dirty="0" smtClean="0">
+              <a:t>(   )Option 2: MEDIAN</a:t>
+            </a:r>
+            <a:endParaRPr lang="en-GB" sz="1000" dirty="0">
               <a:solidFill>
                 <a:prstClr val="black"/>
               </a:solidFill>
@@ -8890,7 +8657,7 @@
               </a:spcAft>
             </a:pPr>
             <a:r>
-              <a:rPr lang="en-GB" sz="1000" dirty="0" smtClean="0">
+              <a:rPr lang="en-GB" sz="1000" dirty="0">
                 <a:solidFill>
                   <a:prstClr val="black"/>
                 </a:solidFill>
@@ -8898,18 +8665,7 @@
                 <a:ea typeface="Calibri" panose="020F0502020204030204" pitchFamily="34" charset="0"/>
                 <a:cs typeface="Times New Roman" panose="02020603050405020304" pitchFamily="18" charset="0"/>
               </a:rPr>
-              <a:t>(   </a:t>
-            </a:r>
-            <a:r>
-              <a:rPr lang="en-GB" sz="1000" dirty="0">
-                <a:solidFill>
-                  <a:prstClr val="black"/>
-                </a:solidFill>
-                <a:latin typeface="Arial" panose="020B0604020202020204" pitchFamily="34" charset="0"/>
-                <a:ea typeface="Calibri" panose="020F0502020204030204" pitchFamily="34" charset="0"/>
-                <a:cs typeface="Times New Roman" panose="02020603050405020304" pitchFamily="18" charset="0"/>
-              </a:rPr>
-              <a:t>)Option 3: REPLACE</a:t>
+              <a:t>(   )Option 3: REPLACE</a:t>
             </a:r>
             <a:endParaRPr lang="en-US" sz="1000" dirty="0">
               <a:solidFill>
@@ -9025,29 +8781,7 @@
                 <a:ea typeface="Calibri" panose="020F0502020204030204" pitchFamily="34" charset="0"/>
                 <a:cs typeface="Times New Roman" panose="02020603050405020304" pitchFamily="18" charset="0"/>
               </a:rPr>
-              <a:t>(</a:t>
-            </a:r>
-            <a:r>
-              <a:rPr lang="en-GB" sz="1000" dirty="0" smtClean="0">
-                <a:solidFill>
-                  <a:prstClr val="black"/>
-                </a:solidFill>
-                <a:latin typeface="Arial" panose="020B0604020202020204" pitchFamily="34" charset="0"/>
-                <a:ea typeface="Calibri" panose="020F0502020204030204" pitchFamily="34" charset="0"/>
-                <a:cs typeface="Times New Roman" panose="02020603050405020304" pitchFamily="18" charset="0"/>
-              </a:rPr>
-              <a:t>√ ) </a:t>
-            </a:r>
-            <a:r>
-              <a:rPr lang="en-GB" sz="1000" dirty="0">
-                <a:solidFill>
-                  <a:prstClr val="black"/>
-                </a:solidFill>
-                <a:latin typeface="Arial" panose="020B0604020202020204" pitchFamily="34" charset="0"/>
-                <a:ea typeface="Calibri" panose="020F0502020204030204" pitchFamily="34" charset="0"/>
-                <a:cs typeface="Times New Roman" panose="02020603050405020304" pitchFamily="18" charset="0"/>
-              </a:rPr>
-              <a:t>Option 2: MEDIAN</a:t>
+              <a:t>(√ ) Option 2: MEDIAN</a:t>
             </a:r>
             <a:endParaRPr lang="en-US" dirty="0"/>
           </a:p>
@@ -9139,7 +8873,7 @@
           <a:lstStyle/>
           <a:p>
             <a:r>
-              <a:rPr lang="en-US" sz="1200" dirty="0" smtClean="0">
+              <a:rPr lang="en-US" sz="1200" dirty="0">
                 <a:solidFill>
                   <a:srgbClr val="000000"/>
                 </a:solidFill>
@@ -9147,12 +8881,6 @@
               </a:rPr>
               <a:t>20778B</a:t>
             </a:r>
-            <a:endParaRPr lang="en-US" sz="1200" dirty="0">
-              <a:solidFill>
-                <a:srgbClr val="000000"/>
-              </a:solidFill>
-              <a:latin typeface="Arial" panose="020B0604020202020204" pitchFamily="34" charset="0"/>
-            </a:endParaRPr>
           </a:p>
         </p:txBody>
       </p:sp>
@@ -9219,7 +8947,7 @@
           <a:lstStyle/>
           <a:p>
             <a:r>
-              <a:rPr lang="en-US" sz="1200" dirty="0" smtClean="0">
+              <a:rPr lang="en-US" sz="1200" dirty="0">
                 <a:solidFill>
                   <a:srgbClr val="336699"/>
                 </a:solidFill>
@@ -9227,12 +8955,6 @@
               </a:rPr>
               <a:t>5: Modeling Data</a:t>
             </a:r>
-            <a:endParaRPr lang="en-US" sz="1200" dirty="0">
-              <a:solidFill>
-                <a:srgbClr val="336699"/>
-              </a:solidFill>
-              <a:latin typeface="Arial" panose="020B0604020202020204" pitchFamily="34" charset="0"/>
-            </a:endParaRPr>
           </a:p>
         </p:txBody>
       </p:sp>
@@ -9397,7 +9119,7 @@
           <a:lstStyle/>
           <a:p>
             <a:r>
-              <a:rPr lang="en-US" sz="1200" dirty="0" smtClean="0">
+              <a:rPr lang="en-US" sz="1200" dirty="0">
                 <a:solidFill>
                   <a:srgbClr val="000000"/>
                 </a:solidFill>
@@ -9405,12 +9127,6 @@
               </a:rPr>
               <a:t>20778B</a:t>
             </a:r>
-            <a:endParaRPr lang="en-US" sz="1200" dirty="0">
-              <a:solidFill>
-                <a:srgbClr val="000000"/>
-              </a:solidFill>
-              <a:latin typeface="Arial" panose="020B0604020202020204" pitchFamily="34" charset="0"/>
-            </a:endParaRPr>
           </a:p>
         </p:txBody>
       </p:sp>
@@ -9477,7 +9193,7 @@
           <a:lstStyle/>
           <a:p>
             <a:r>
-              <a:rPr lang="en-US" sz="1200" dirty="0" smtClean="0">
+              <a:rPr lang="en-US" sz="1200" dirty="0">
                 <a:solidFill>
                   <a:srgbClr val="336699"/>
                 </a:solidFill>
@@ -9485,12 +9201,6 @@
               </a:rPr>
               <a:t>5: Modeling Data</a:t>
             </a:r>
-            <a:endParaRPr lang="en-US" sz="1200" dirty="0">
-              <a:solidFill>
-                <a:srgbClr val="336699"/>
-              </a:solidFill>
-              <a:latin typeface="Arial" panose="020B0604020202020204" pitchFamily="34" charset="0"/>
-            </a:endParaRPr>
           </a:p>
         </p:txBody>
       </p:sp>
@@ -9673,7 +9383,7 @@
           <a:lstStyle/>
           <a:p>
             <a:r>
-              <a:rPr lang="en-US" sz="1200" dirty="0" smtClean="0">
+              <a:rPr lang="en-US" sz="1200" dirty="0">
                 <a:solidFill>
                   <a:srgbClr val="000000"/>
                 </a:solidFill>
@@ -9681,12 +9391,6 @@
               </a:rPr>
               <a:t>20778B</a:t>
             </a:r>
-            <a:endParaRPr lang="en-US" sz="1200" dirty="0">
-              <a:solidFill>
-                <a:srgbClr val="000000"/>
-              </a:solidFill>
-              <a:latin typeface="Arial" panose="020B0604020202020204" pitchFamily="34" charset="0"/>
-            </a:endParaRPr>
           </a:p>
         </p:txBody>
       </p:sp>
@@ -9753,7 +9457,7 @@
           <a:lstStyle/>
           <a:p>
             <a:r>
-              <a:rPr lang="en-US" sz="1200" dirty="0" smtClean="0">
+              <a:rPr lang="en-US" sz="1200" dirty="0">
                 <a:solidFill>
                   <a:srgbClr val="336699"/>
                 </a:solidFill>
@@ -9761,12 +9465,6 @@
               </a:rPr>
               <a:t>5: Modeling Data</a:t>
             </a:r>
-            <a:endParaRPr lang="en-US" sz="1200" dirty="0">
-              <a:solidFill>
-                <a:srgbClr val="336699"/>
-              </a:solidFill>
-              <a:latin typeface="Arial" panose="020B0604020202020204" pitchFamily="34" charset="0"/>
-            </a:endParaRPr>
           </a:p>
         </p:txBody>
       </p:sp>
@@ -9931,7 +9629,7 @@
           <a:lstStyle/>
           <a:p>
             <a:r>
-              <a:rPr lang="en-US" sz="1200" dirty="0" smtClean="0">
+              <a:rPr lang="en-US" sz="1200" dirty="0">
                 <a:solidFill>
                   <a:srgbClr val="000000"/>
                 </a:solidFill>
@@ -9939,12 +9637,6 @@
               </a:rPr>
               <a:t>20778B</a:t>
             </a:r>
-            <a:endParaRPr lang="en-US" sz="1200" dirty="0">
-              <a:solidFill>
-                <a:srgbClr val="000000"/>
-              </a:solidFill>
-              <a:latin typeface="Arial" panose="020B0604020202020204" pitchFamily="34" charset="0"/>
-            </a:endParaRPr>
           </a:p>
         </p:txBody>
       </p:sp>
@@ -10011,7 +9703,7 @@
           <a:lstStyle/>
           <a:p>
             <a:r>
-              <a:rPr lang="en-US" sz="1200" dirty="0" smtClean="0">
+              <a:rPr lang="en-US" sz="1200" dirty="0">
                 <a:solidFill>
                   <a:srgbClr val="336699"/>
                 </a:solidFill>
@@ -10019,12 +9711,6 @@
               </a:rPr>
               <a:t>5: Modeling Data</a:t>
             </a:r>
-            <a:endParaRPr lang="en-US" sz="1200" dirty="0">
-              <a:solidFill>
-                <a:srgbClr val="336699"/>
-              </a:solidFill>
-              <a:latin typeface="Arial" panose="020B0604020202020204" pitchFamily="34" charset="0"/>
-            </a:endParaRPr>
           </a:p>
         </p:txBody>
       </p:sp>
@@ -10207,7 +9893,7 @@
           <a:lstStyle/>
           <a:p>
             <a:r>
-              <a:rPr lang="en-US" sz="1200" dirty="0" smtClean="0">
+              <a:rPr lang="en-US" sz="1200" dirty="0">
                 <a:solidFill>
                   <a:srgbClr val="000000"/>
                 </a:solidFill>
@@ -10215,12 +9901,6 @@
               </a:rPr>
               <a:t>20778B</a:t>
             </a:r>
-            <a:endParaRPr lang="en-US" sz="1200" dirty="0">
-              <a:solidFill>
-                <a:srgbClr val="000000"/>
-              </a:solidFill>
-              <a:latin typeface="Arial" panose="020B0604020202020204" pitchFamily="34" charset="0"/>
-            </a:endParaRPr>
           </a:p>
         </p:txBody>
       </p:sp>
@@ -10287,7 +9967,7 @@
           <a:lstStyle/>
           <a:p>
             <a:r>
-              <a:rPr lang="en-US" sz="1200" dirty="0" smtClean="0">
+              <a:rPr lang="en-US" sz="1200" dirty="0">
                 <a:solidFill>
                   <a:srgbClr val="336699"/>
                 </a:solidFill>
@@ -10295,12 +9975,6 @@
               </a:rPr>
               <a:t>5: Modeling Data</a:t>
             </a:r>
-            <a:endParaRPr lang="en-US" sz="1200" dirty="0">
-              <a:solidFill>
-                <a:srgbClr val="336699"/>
-              </a:solidFill>
-              <a:latin typeface="Arial" panose="020B0604020202020204" pitchFamily="34" charset="0"/>
-            </a:endParaRPr>
           </a:p>
         </p:txBody>
       </p:sp>
@@ -10382,7 +10056,7 @@
               </a:spcAft>
             </a:pPr>
             <a:r>
-              <a:rPr lang="en-GB" sz="1000" b="1" dirty="0" smtClean="0">
+              <a:rPr lang="en-GB" sz="1000" b="1" dirty="0">
                 <a:effectLst/>
                 <a:latin typeface="Arial" panose="020B0604020202020204" pitchFamily="34" charset="0"/>
                 <a:ea typeface="Calibri" panose="020F0502020204030204" pitchFamily="34" charset="0"/>
@@ -10390,7 +10064,7 @@
               </a:rPr>
               <a:t>Preparation Steps</a:t>
             </a:r>
-            <a:endParaRPr lang="en-US" sz="1000" dirty="0" smtClean="0">
+            <a:endParaRPr lang="en-US" sz="1000" dirty="0">
               <a:effectLst/>
               <a:latin typeface="Arial" panose="020B0604020202020204" pitchFamily="34" charset="0"/>
               <a:ea typeface="Calibri" panose="020F0502020204030204" pitchFamily="34" charset="0"/>
@@ -10407,7 +10081,7 @@
               </a:spcAft>
             </a:pPr>
             <a:r>
-              <a:rPr lang="en-GB" sz="1000" dirty="0" smtClean="0">
+              <a:rPr lang="en-GB" sz="1000" dirty="0">
                 <a:effectLst/>
                 <a:latin typeface="Arial" panose="020B0604020202020204" pitchFamily="34" charset="0"/>
                 <a:ea typeface="Calibri" panose="020F0502020204030204" pitchFamily="34" charset="0"/>
@@ -10415,7 +10089,7 @@
               </a:rPr>
               <a:t>Complete the previous demos in this module.</a:t>
             </a:r>
-            <a:endParaRPr lang="en-US" sz="1000" dirty="0" smtClean="0">
+            <a:endParaRPr lang="en-US" sz="1000" dirty="0">
               <a:effectLst/>
               <a:latin typeface="Arial" panose="020B0604020202020204" pitchFamily="34" charset="0"/>
               <a:ea typeface="Calibri" panose="020F0502020204030204" pitchFamily="34" charset="0"/>
@@ -10432,7 +10106,7 @@
               </a:spcAft>
             </a:pPr>
             <a:r>
-              <a:rPr lang="en-GB" sz="1000" b="1" dirty="0" smtClean="0">
+              <a:rPr lang="en-GB" sz="1000" b="1" dirty="0">
                 <a:effectLst/>
                 <a:latin typeface="Arial" panose="020B0604020202020204" pitchFamily="34" charset="0"/>
                 <a:ea typeface="Calibri" panose="020F0502020204030204" pitchFamily="34" charset="0"/>
@@ -10440,7 +10114,7 @@
               </a:rPr>
               <a:t>Demonstration Steps</a:t>
             </a:r>
-            <a:endParaRPr lang="en-US" sz="1000" dirty="0" smtClean="0">
+            <a:endParaRPr lang="en-US" sz="1000" dirty="0">
               <a:effectLst/>
               <a:latin typeface="Arial" panose="020B0604020202020204" pitchFamily="34" charset="0"/>
               <a:ea typeface="Calibri" panose="020F0502020204030204" pitchFamily="34" charset="0"/>
@@ -10648,7 +10322,7 @@
               </a:spcAft>
             </a:pPr>
             <a:r>
-              <a:rPr lang="en-US" sz="1000" dirty="0" smtClean="0">
+              <a:rPr lang="en-US" sz="1000" dirty="0">
                 <a:effectLst/>
                 <a:latin typeface="Arial" panose="020B0604020202020204" pitchFamily="34" charset="0"/>
                 <a:ea typeface="Times New Roman" panose="02020603050405020304" pitchFamily="18" charset="0"/>
@@ -10858,7 +10532,7 @@
               </a:spcAft>
             </a:pPr>
             <a:r>
-              <a:rPr lang="en-US" sz="1000" dirty="0" smtClean="0">
+              <a:rPr lang="en-US" sz="1000" dirty="0">
                 <a:effectLst/>
                 <a:latin typeface="Arial" panose="020B0604020202020204" pitchFamily="34" charset="0"/>
                 <a:ea typeface="Times New Roman" panose="02020603050405020304" pitchFamily="18" charset="0"/>
@@ -11036,7 +10710,7 @@
               </a:spcAft>
             </a:pPr>
             <a:r>
-              <a:rPr lang="en-US" sz="1000" dirty="0" smtClean="0">
+              <a:rPr lang="en-US" sz="1000" dirty="0">
                 <a:effectLst/>
                 <a:latin typeface="Arial" panose="020B0604020202020204" pitchFamily="34" charset="0"/>
                 <a:ea typeface="Times New Roman" panose="02020603050405020304" pitchFamily="18" charset="0"/>
@@ -11154,7 +10828,7 @@
           <a:lstStyle/>
           <a:p>
             <a:r>
-              <a:rPr lang="en-US" sz="1200" dirty="0" smtClean="0">
+              <a:rPr lang="en-US" sz="1200" dirty="0">
                 <a:solidFill>
                   <a:srgbClr val="000000"/>
                 </a:solidFill>
@@ -11162,12 +10836,6 @@
               </a:rPr>
               <a:t>20778B</a:t>
             </a:r>
-            <a:endParaRPr lang="en-US" sz="1200" dirty="0">
-              <a:solidFill>
-                <a:srgbClr val="000000"/>
-              </a:solidFill>
-              <a:latin typeface="Arial" panose="020B0604020202020204" pitchFamily="34" charset="0"/>
-            </a:endParaRPr>
           </a:p>
         </p:txBody>
       </p:sp>
@@ -11234,7 +10902,7 @@
           <a:lstStyle/>
           <a:p>
             <a:r>
-              <a:rPr lang="en-US" sz="1200" dirty="0" smtClean="0">
+              <a:rPr lang="en-US" sz="1200" dirty="0">
                 <a:solidFill>
                   <a:srgbClr val="336699"/>
                 </a:solidFill>
@@ -11242,12 +10910,6 @@
               </a:rPr>
               <a:t>5: Modeling Data</a:t>
             </a:r>
-            <a:endParaRPr lang="en-US" sz="1200" dirty="0">
-              <a:solidFill>
-                <a:srgbClr val="336699"/>
-              </a:solidFill>
-              <a:latin typeface="Arial" panose="020B0604020202020204" pitchFamily="34" charset="0"/>
-            </a:endParaRPr>
           </a:p>
         </p:txBody>
       </p:sp>
@@ -11274,7 +10936,7 @@
           <a:lstStyle/>
           <a:p>
             <a:r>
-              <a:rPr lang="en-GB" sz="1000" b="0" dirty="0" smtClean="0">
+              <a:rPr lang="en-GB" sz="1000" b="0" dirty="0">
                 <a:latin typeface="Arial" panose="020B0604020202020204" pitchFamily="34" charset="0"/>
               </a:rPr>
               <a:t>(More notes on the next slide)</a:t>
@@ -12043,7 +11705,7 @@
           <a:lstStyle/>
           <a:p>
             <a:r>
-              <a:rPr lang="en-GB" sz="1000" b="0" dirty="0" smtClean="0">
+              <a:rPr lang="en-GB" sz="1000" b="0" dirty="0">
                 <a:latin typeface="Arial" panose="020B0604020202020204" pitchFamily="34" charset="0"/>
               </a:rPr>
               <a:t>(More notes on the next slide)</a:t>
@@ -12117,7 +11779,7 @@
           <a:lstStyle/>
           <a:p>
             <a:r>
-              <a:rPr lang="en-US" sz="1200" dirty="0" smtClean="0">
+              <a:rPr lang="en-US" sz="1200" dirty="0">
                 <a:solidFill>
                   <a:srgbClr val="000000"/>
                 </a:solidFill>
@@ -12125,12 +11787,6 @@
               </a:rPr>
               <a:t>20778B</a:t>
             </a:r>
-            <a:endParaRPr lang="en-US" sz="1200" dirty="0">
-              <a:solidFill>
-                <a:srgbClr val="000000"/>
-              </a:solidFill>
-              <a:latin typeface="Arial" panose="020B0604020202020204" pitchFamily="34" charset="0"/>
-            </a:endParaRPr>
           </a:p>
         </p:txBody>
       </p:sp>
@@ -12197,7 +11853,7 @@
           <a:lstStyle/>
           <a:p>
             <a:r>
-              <a:rPr lang="en-US" sz="1200" dirty="0" smtClean="0">
+              <a:rPr lang="en-US" sz="1200" dirty="0">
                 <a:solidFill>
                   <a:srgbClr val="336699"/>
                 </a:solidFill>
@@ -12205,12 +11861,6 @@
               </a:rPr>
               <a:t>5: Modeling Data</a:t>
             </a:r>
-            <a:endParaRPr lang="en-US" sz="1200" dirty="0">
-              <a:solidFill>
-                <a:srgbClr val="336699"/>
-              </a:solidFill>
-              <a:latin typeface="Arial" panose="020B0604020202020204" pitchFamily="34" charset="0"/>
-            </a:endParaRPr>
           </a:p>
         </p:txBody>
       </p:sp>
@@ -12660,18 +12310,7 @@
                 <a:ea typeface="Times New Roman" panose="02020603050405020304" pitchFamily="18" charset="0"/>
                 <a:cs typeface="Times New Roman" panose="02020603050405020304" pitchFamily="18" charset="0"/>
               </a:rPr>
-              <a:t>Close Power BI Desktop, saving any changes</a:t>
-            </a:r>
-            <a:r>
-              <a:rPr lang="en-US" sz="1000" dirty="0" smtClean="0">
-                <a:solidFill>
-                  <a:srgbClr val="000000"/>
-                </a:solidFill>
-                <a:latin typeface="Arial" panose="020B0604020202020204" pitchFamily="34" charset="0"/>
-                <a:ea typeface="Times New Roman" panose="02020603050405020304" pitchFamily="18" charset="0"/>
-                <a:cs typeface="Times New Roman" panose="02020603050405020304" pitchFamily="18" charset="0"/>
-              </a:rPr>
-              <a:t>.</a:t>
+              <a:t>Close Power BI Desktop, saving any changes.</a:t>
             </a:r>
           </a:p>
           <a:p>
@@ -12942,29 +12581,7 @@
                 <a:ea typeface="Calibri" panose="020F0502020204030204" pitchFamily="34" charset="0"/>
                 <a:cs typeface="Times New Roman" panose="02020603050405020304" pitchFamily="18" charset="0"/>
               </a:rPr>
-              <a:t>(</a:t>
-            </a:r>
-            <a:r>
-              <a:rPr lang="en-GB" sz="1000" dirty="0" smtClean="0">
-                <a:solidFill>
-                  <a:prstClr val="black"/>
-                </a:solidFill>
-                <a:latin typeface="Arial" panose="020B0604020202020204" pitchFamily="34" charset="0"/>
-                <a:ea typeface="Calibri" panose="020F0502020204030204" pitchFamily="34" charset="0"/>
-                <a:cs typeface="Times New Roman" panose="02020603050405020304" pitchFamily="18" charset="0"/>
-              </a:rPr>
-              <a:t>√ ) </a:t>
-            </a:r>
-            <a:r>
-              <a:rPr lang="en-GB" sz="1000" dirty="0">
-                <a:solidFill>
-                  <a:prstClr val="black"/>
-                </a:solidFill>
-                <a:latin typeface="Arial" panose="020B0604020202020204" pitchFamily="34" charset="0"/>
-                <a:ea typeface="Calibri" panose="020F0502020204030204" pitchFamily="34" charset="0"/>
-                <a:cs typeface="Times New Roman" panose="02020603050405020304" pitchFamily="18" charset="0"/>
-              </a:rPr>
-              <a:t>Option 2: SUM</a:t>
+              <a:t>(√ ) Option 2: SUM</a:t>
             </a:r>
             <a:endParaRPr lang="en-US" dirty="0"/>
           </a:p>
@@ -13016,7 +12633,7 @@
           <a:lstStyle/>
           <a:p>
             <a:r>
-              <a:rPr lang="en-GB" sz="1000" b="0" dirty="0" smtClean="0">
+              <a:rPr lang="en-GB" sz="1000" b="0" dirty="0">
                 <a:latin typeface="Arial" panose="020B0604020202020204" pitchFamily="34" charset="0"/>
               </a:rPr>
               <a:t>(More notes on the next slide)</a:t>
@@ -13090,7 +12707,7 @@
           <a:lstStyle/>
           <a:p>
             <a:r>
-              <a:rPr lang="en-US" sz="1200" dirty="0" smtClean="0">
+              <a:rPr lang="en-US" sz="1200" dirty="0">
                 <a:solidFill>
                   <a:srgbClr val="000000"/>
                 </a:solidFill>
@@ -13098,12 +12715,6 @@
               </a:rPr>
               <a:t>20778B</a:t>
             </a:r>
-            <a:endParaRPr lang="en-US" sz="1200" dirty="0">
-              <a:solidFill>
-                <a:srgbClr val="000000"/>
-              </a:solidFill>
-              <a:latin typeface="Arial" panose="020B0604020202020204" pitchFamily="34" charset="0"/>
-            </a:endParaRPr>
           </a:p>
         </p:txBody>
       </p:sp>
@@ -13170,7 +12781,7 @@
           <a:lstStyle/>
           <a:p>
             <a:r>
-              <a:rPr lang="en-US" sz="1200" dirty="0" smtClean="0">
+              <a:rPr lang="en-US" sz="1200" dirty="0">
                 <a:solidFill>
                   <a:srgbClr val="336699"/>
                 </a:solidFill>
@@ -13178,12 +12789,6 @@
               </a:rPr>
               <a:t>5: Modeling Data</a:t>
             </a:r>
-            <a:endParaRPr lang="en-US" sz="1200" dirty="0">
-              <a:solidFill>
-                <a:srgbClr val="336699"/>
-              </a:solidFill>
-              <a:latin typeface="Arial" panose="020B0604020202020204" pitchFamily="34" charset="0"/>
-            </a:endParaRPr>
           </a:p>
         </p:txBody>
       </p:sp>
@@ -13318,11 +12923,6 @@
               </a:rPr>
               <a:t>The data in your organization is spread across a number of sources. To begin with, you will import data extracts from Excel worksheets. The data should be related, so you will examine the relationships that Power BI detects automatically. Because the sales data is an extract, Power BI might not detect all of the relationships, or create them correctly, so you will have to configure them. </a:t>
             </a:r>
-            <a:endParaRPr lang="en-GB" sz="1000" dirty="0" smtClean="0">
-              <a:latin typeface="Arial" panose="020B0604020202020204" pitchFamily="34" charset="0"/>
-              <a:ea typeface="Calibri" panose="020F0502020204030204" pitchFamily="34" charset="0"/>
-              <a:cs typeface="Times New Roman" panose="02020603050405020304" pitchFamily="18" charset="0"/>
-            </a:endParaRPr>
           </a:p>
           <a:p>
             <a:pPr>
@@ -13473,7 +13073,7 @@
           <a:lstStyle/>
           <a:p>
             <a:r>
-              <a:rPr lang="en-US" sz="1200" dirty="0" smtClean="0">
+              <a:rPr lang="en-US" sz="1200" dirty="0">
                 <a:solidFill>
                   <a:srgbClr val="000000"/>
                 </a:solidFill>
@@ -13481,12 +13081,6 @@
               </a:rPr>
               <a:t>20778B</a:t>
             </a:r>
-            <a:endParaRPr lang="en-US" sz="1200" dirty="0">
-              <a:solidFill>
-                <a:srgbClr val="000000"/>
-              </a:solidFill>
-              <a:latin typeface="Arial" panose="020B0604020202020204" pitchFamily="34" charset="0"/>
-            </a:endParaRPr>
           </a:p>
         </p:txBody>
       </p:sp>
@@ -13553,7 +13147,7 @@
           <a:lstStyle/>
           <a:p>
             <a:r>
-              <a:rPr lang="en-US" sz="1200" dirty="0" smtClean="0">
+              <a:rPr lang="en-US" sz="1200" dirty="0">
                 <a:solidFill>
                   <a:srgbClr val="336699"/>
                 </a:solidFill>
@@ -13561,12 +13155,6 @@
               </a:rPr>
               <a:t>5: Modeling Data</a:t>
             </a:r>
-            <a:endParaRPr lang="en-US" sz="1200" dirty="0">
-              <a:solidFill>
-                <a:srgbClr val="336699"/>
-              </a:solidFill>
-              <a:latin typeface="Arial" panose="020B0604020202020204" pitchFamily="34" charset="0"/>
-            </a:endParaRPr>
           </a:p>
         </p:txBody>
       </p:sp>
@@ -13729,7 +13317,7 @@
           <a:lstStyle/>
           <a:p>
             <a:r>
-              <a:rPr lang="en-US" sz="1200" dirty="0" smtClean="0">
+              <a:rPr lang="en-US" sz="1200" dirty="0">
                 <a:solidFill>
                   <a:srgbClr val="000000"/>
                 </a:solidFill>
@@ -13737,12 +13325,6 @@
               </a:rPr>
               <a:t>20778B</a:t>
             </a:r>
-            <a:endParaRPr lang="en-US" sz="1200" dirty="0">
-              <a:solidFill>
-                <a:srgbClr val="000000"/>
-              </a:solidFill>
-              <a:latin typeface="Arial" panose="020B0604020202020204" pitchFamily="34" charset="0"/>
-            </a:endParaRPr>
           </a:p>
         </p:txBody>
       </p:sp>
@@ -13809,7 +13391,7 @@
           <a:lstStyle/>
           <a:p>
             <a:r>
-              <a:rPr lang="en-US" sz="1200" dirty="0" smtClean="0">
+              <a:rPr lang="en-US" sz="1200" dirty="0">
                 <a:solidFill>
                   <a:srgbClr val="336699"/>
                 </a:solidFill>
@@ -13817,12 +13399,6 @@
               </a:rPr>
               <a:t>5: Modeling Data</a:t>
             </a:r>
-            <a:endParaRPr lang="en-US" sz="1200" dirty="0">
-              <a:solidFill>
-                <a:srgbClr val="336699"/>
-              </a:solidFill>
-              <a:latin typeface="Arial" panose="020B0604020202020204" pitchFamily="34" charset="0"/>
-            </a:endParaRPr>
           </a:p>
         </p:txBody>
       </p:sp>
@@ -14005,7 +13581,7 @@
           <a:lstStyle/>
           <a:p>
             <a:r>
-              <a:rPr lang="en-US" sz="1200" dirty="0" smtClean="0">
+              <a:rPr lang="en-US" sz="1200" dirty="0">
                 <a:solidFill>
                   <a:srgbClr val="000000"/>
                 </a:solidFill>
@@ -14013,12 +13589,6 @@
               </a:rPr>
               <a:t>20778B</a:t>
             </a:r>
-            <a:endParaRPr lang="en-US" sz="1200" dirty="0">
-              <a:solidFill>
-                <a:srgbClr val="000000"/>
-              </a:solidFill>
-              <a:latin typeface="Arial" panose="020B0604020202020204" pitchFamily="34" charset="0"/>
-            </a:endParaRPr>
           </a:p>
         </p:txBody>
       </p:sp>
@@ -14085,7 +13655,7 @@
           <a:lstStyle/>
           <a:p>
             <a:r>
-              <a:rPr lang="en-US" sz="1200" dirty="0" smtClean="0">
+              <a:rPr lang="en-US" sz="1200" dirty="0">
                 <a:solidFill>
                   <a:srgbClr val="336699"/>
                 </a:solidFill>
@@ -14093,12 +13663,6 @@
               </a:rPr>
               <a:t>5: Modeling Data</a:t>
             </a:r>
-            <a:endParaRPr lang="en-US" sz="1200" dirty="0">
-              <a:solidFill>
-                <a:srgbClr val="336699"/>
-              </a:solidFill>
-              <a:latin typeface="Arial" panose="020B0604020202020204" pitchFamily="34" charset="0"/>
-            </a:endParaRPr>
           </a:p>
         </p:txBody>
       </p:sp>
@@ -14261,7 +13825,7 @@
           <a:lstStyle/>
           <a:p>
             <a:r>
-              <a:rPr lang="en-US" sz="1200" dirty="0" smtClean="0">
+              <a:rPr lang="en-US" sz="1200" dirty="0">
                 <a:solidFill>
                   <a:srgbClr val="000000"/>
                 </a:solidFill>
@@ -14269,12 +13833,6 @@
               </a:rPr>
               <a:t>20778B</a:t>
             </a:r>
-            <a:endParaRPr lang="en-US" sz="1200" dirty="0">
-              <a:solidFill>
-                <a:srgbClr val="000000"/>
-              </a:solidFill>
-              <a:latin typeface="Arial" panose="020B0604020202020204" pitchFamily="34" charset="0"/>
-            </a:endParaRPr>
           </a:p>
         </p:txBody>
       </p:sp>
@@ -14341,7 +13899,7 @@
           <a:lstStyle/>
           <a:p>
             <a:r>
-              <a:rPr lang="en-US" sz="1200" dirty="0" smtClean="0">
+              <a:rPr lang="en-US" sz="1200" dirty="0">
                 <a:solidFill>
                   <a:srgbClr val="336699"/>
                 </a:solidFill>
@@ -14349,12 +13907,6 @@
               </a:rPr>
               <a:t>5: Modeling Data</a:t>
             </a:r>
-            <a:endParaRPr lang="en-US" sz="1200" dirty="0">
-              <a:solidFill>
-                <a:srgbClr val="336699"/>
-              </a:solidFill>
-              <a:latin typeface="Arial" panose="020B0604020202020204" pitchFamily="34" charset="0"/>
-            </a:endParaRPr>
           </a:p>
         </p:txBody>
       </p:sp>
@@ -14466,30 +14018,25 @@
               </a:rPr>
               <a:t>Discuss the functions covered in this topic, or use the link provided in the functions lesson of the Dax Queries topic to look online at the DAX Function Reference. How many of these have you already used? Have you used the equivalent functions in Excel? Which functions can you use for creating columns and measures in your organizational datasets? </a:t>
             </a:r>
+          </a:p>
+          <a:p>
+            <a:pPr>
+              <a:lnSpc>
+                <a:spcPct val="107000"/>
+              </a:lnSpc>
+              <a:spcAft>
+                <a:spcPts val="800"/>
+              </a:spcAft>
+            </a:pPr>
+            <a:r>
+              <a:rPr lang="en-GB" sz="1000" b="1" dirty="0">
+                <a:latin typeface="Arial" panose="020B0604020202020204" pitchFamily="34" charset="0"/>
+                <a:ea typeface="Calibri" panose="020F0502020204030204" pitchFamily="34" charset="0"/>
+                <a:cs typeface="Times New Roman" panose="02020603050405020304" pitchFamily="18" charset="0"/>
+              </a:rPr>
+              <a:t>Answer</a:t>
+            </a:r>
             <a:endParaRPr lang="en-GB" sz="1000" dirty="0">
-              <a:latin typeface="Arial" panose="020B0604020202020204" pitchFamily="34" charset="0"/>
-              <a:ea typeface="Calibri" panose="020F0502020204030204" pitchFamily="34" charset="0"/>
-              <a:cs typeface="Times New Roman" panose="02020603050405020304" pitchFamily="18" charset="0"/>
-            </a:endParaRPr>
-          </a:p>
-          <a:p>
-            <a:pPr>
-              <a:lnSpc>
-                <a:spcPct val="107000"/>
-              </a:lnSpc>
-              <a:spcAft>
-                <a:spcPts val="800"/>
-              </a:spcAft>
-            </a:pPr>
-            <a:r>
-              <a:rPr lang="en-GB" sz="1000" b="1" dirty="0" smtClean="0">
-                <a:latin typeface="Arial" panose="020B0604020202020204" pitchFamily="34" charset="0"/>
-                <a:ea typeface="Calibri" panose="020F0502020204030204" pitchFamily="34" charset="0"/>
-                <a:cs typeface="Times New Roman" panose="02020603050405020304" pitchFamily="18" charset="0"/>
-              </a:rPr>
-              <a:t>Answer</a:t>
-            </a:r>
-            <a:endParaRPr lang="en-GB" sz="1000" dirty="0" smtClean="0">
               <a:latin typeface="Arial" panose="020B0604020202020204" pitchFamily="34" charset="0"/>
               <a:ea typeface="Calibri" panose="020F0502020204030204" pitchFamily="34" charset="0"/>
               <a:cs typeface="Times New Roman" panose="02020603050405020304" pitchFamily="18" charset="0"/>
@@ -14565,31 +14112,7 @@
                 <a:ea typeface="Calibri" panose="020F0502020204030204" pitchFamily="34" charset="0"/>
                 <a:cs typeface="Times New Roman" panose="02020603050405020304" pitchFamily="18" charset="0"/>
               </a:rPr>
-              <a:t>Look at the dataset you used in the labs. How else can you use DAX formulas to add additional columns or </a:t>
-            </a:r>
-            <a:r>
-              <a:rPr lang="en-GB" sz="1000" dirty="0" smtClean="0">
-                <a:latin typeface="Arial" panose="020B0604020202020204" pitchFamily="34" charset="0"/>
-                <a:ea typeface="Calibri" panose="020F0502020204030204" pitchFamily="34" charset="0"/>
-                <a:cs typeface="Times New Roman" panose="02020603050405020304" pitchFamily="18" charset="0"/>
-              </a:rPr>
-              <a:t>create </a:t>
-            </a:r>
-            <a:r>
-              <a:rPr lang="en-GB" sz="1000" dirty="0">
-                <a:latin typeface="Arial" panose="020B0604020202020204" pitchFamily="34" charset="0"/>
-                <a:ea typeface="Calibri" panose="020F0502020204030204" pitchFamily="34" charset="0"/>
-                <a:cs typeface="Times New Roman" panose="02020603050405020304" pitchFamily="18" charset="0"/>
-              </a:rPr>
-              <a:t>new measures? Do you think there are any gaps in the data that you could fill using DAX</a:t>
-            </a:r>
-            <a:r>
-              <a:rPr lang="en-GB" sz="1000" dirty="0" smtClean="0">
-                <a:latin typeface="Arial" panose="020B0604020202020204" pitchFamily="34" charset="0"/>
-                <a:ea typeface="Calibri" panose="020F0502020204030204" pitchFamily="34" charset="0"/>
-                <a:cs typeface="Times New Roman" panose="02020603050405020304" pitchFamily="18" charset="0"/>
-              </a:rPr>
-              <a:t>?</a:t>
+              <a:t>Look at the dataset you used in the labs. How else can you use DAX formulas to add additional columns or create new measures? Do you think there are any gaps in the data that you could fill using DAX?</a:t>
             </a:r>
           </a:p>
           <a:p>
@@ -14602,7 +14125,7 @@
               </a:spcAft>
             </a:pPr>
             <a:r>
-              <a:rPr lang="en-GB" sz="1000" b="1" dirty="0" smtClean="0">
+              <a:rPr lang="en-GB" sz="1000" b="1" dirty="0">
                 <a:latin typeface="Arial" panose="020B0604020202020204" pitchFamily="34" charset="0"/>
                 <a:ea typeface="Calibri" panose="020F0502020204030204" pitchFamily="34" charset="0"/>
                 <a:cs typeface="Times New Roman" panose="02020603050405020304" pitchFamily="18" charset="0"/>
@@ -14730,7 +14253,7 @@
           <a:lstStyle/>
           <a:p>
             <a:r>
-              <a:rPr lang="en-US" sz="1200" dirty="0" smtClean="0">
+              <a:rPr lang="en-US" sz="1200" dirty="0">
                 <a:solidFill>
                   <a:srgbClr val="000000"/>
                 </a:solidFill>
@@ -14738,12 +14261,6 @@
               </a:rPr>
               <a:t>20778B</a:t>
             </a:r>
-            <a:endParaRPr lang="en-US" sz="1200" dirty="0">
-              <a:solidFill>
-                <a:srgbClr val="000000"/>
-              </a:solidFill>
-              <a:latin typeface="Arial" panose="020B0604020202020204" pitchFamily="34" charset="0"/>
-            </a:endParaRPr>
           </a:p>
         </p:txBody>
       </p:sp>
@@ -14810,7 +14327,7 @@
           <a:lstStyle/>
           <a:p>
             <a:r>
-              <a:rPr lang="en-US" sz="1200" dirty="0" smtClean="0">
+              <a:rPr lang="en-US" sz="1200" dirty="0">
                 <a:solidFill>
                   <a:srgbClr val="336699"/>
                 </a:solidFill>
@@ -14818,12 +14335,6 @@
               </a:rPr>
               <a:t>5: Modeling Data</a:t>
             </a:r>
-            <a:endParaRPr lang="en-US" sz="1200" dirty="0">
-              <a:solidFill>
-                <a:srgbClr val="336699"/>
-              </a:solidFill>
-              <a:latin typeface="Arial" panose="020B0604020202020204" pitchFamily="34" charset="0"/>
-            </a:endParaRPr>
           </a:p>
         </p:txBody>
       </p:sp>
@@ -15006,7 +14517,7 @@
           <a:lstStyle/>
           <a:p>
             <a:r>
-              <a:rPr lang="en-US" sz="1200" dirty="0" smtClean="0">
+              <a:rPr lang="en-US" sz="1200" dirty="0">
                 <a:solidFill>
                   <a:srgbClr val="000000"/>
                 </a:solidFill>
@@ -15014,12 +14525,6 @@
               </a:rPr>
               <a:t>20778B</a:t>
             </a:r>
-            <a:endParaRPr lang="en-US" sz="1200" dirty="0">
-              <a:solidFill>
-                <a:srgbClr val="000000"/>
-              </a:solidFill>
-              <a:latin typeface="Arial" panose="020B0604020202020204" pitchFamily="34" charset="0"/>
-            </a:endParaRPr>
           </a:p>
         </p:txBody>
       </p:sp>
@@ -15086,7 +14591,7 @@
           <a:lstStyle/>
           <a:p>
             <a:r>
-              <a:rPr lang="en-US" sz="1200" dirty="0" smtClean="0">
+              <a:rPr lang="en-US" sz="1200" dirty="0">
                 <a:solidFill>
                   <a:srgbClr val="336699"/>
                 </a:solidFill>
@@ -15094,12 +14599,6 @@
               </a:rPr>
               <a:t>5: Modeling Data</a:t>
             </a:r>
-            <a:endParaRPr lang="en-US" sz="1200" dirty="0">
-              <a:solidFill>
-                <a:srgbClr val="336699"/>
-              </a:solidFill>
-              <a:latin typeface="Arial" panose="020B0604020202020204" pitchFamily="34" charset="0"/>
-            </a:endParaRPr>
           </a:p>
         </p:txBody>
       </p:sp>
@@ -15282,7 +14781,7 @@
           <a:lstStyle/>
           <a:p>
             <a:r>
-              <a:rPr lang="en-US" sz="1200" dirty="0" smtClean="0">
+              <a:rPr lang="en-US" sz="1200" dirty="0">
                 <a:solidFill>
                   <a:srgbClr val="000000"/>
                 </a:solidFill>
@@ -15290,12 +14789,6 @@
               </a:rPr>
               <a:t>20778B</a:t>
             </a:r>
-            <a:endParaRPr lang="en-US" sz="1200" dirty="0">
-              <a:solidFill>
-                <a:srgbClr val="000000"/>
-              </a:solidFill>
-              <a:latin typeface="Arial" panose="020B0604020202020204" pitchFamily="34" charset="0"/>
-            </a:endParaRPr>
           </a:p>
         </p:txBody>
       </p:sp>
@@ -15362,7 +14855,7 @@
           <a:lstStyle/>
           <a:p>
             <a:r>
-              <a:rPr lang="en-US" sz="1200" dirty="0" smtClean="0">
+              <a:rPr lang="en-US" sz="1200" dirty="0">
                 <a:solidFill>
                   <a:srgbClr val="336699"/>
                 </a:solidFill>
@@ -15370,12 +14863,6 @@
               </a:rPr>
               <a:t>5: Modeling Data</a:t>
             </a:r>
-            <a:endParaRPr lang="en-US" sz="1200" dirty="0">
-              <a:solidFill>
-                <a:srgbClr val="336699"/>
-              </a:solidFill>
-              <a:latin typeface="Arial" panose="020B0604020202020204" pitchFamily="34" charset="0"/>
-            </a:endParaRPr>
           </a:p>
         </p:txBody>
       </p:sp>
@@ -15558,7 +15045,7 @@
           <a:lstStyle/>
           <a:p>
             <a:r>
-              <a:rPr lang="en-US" sz="1200" dirty="0" smtClean="0">
+              <a:rPr lang="en-US" sz="1200" dirty="0">
                 <a:solidFill>
                   <a:srgbClr val="000000"/>
                 </a:solidFill>
@@ -15566,12 +15053,6 @@
               </a:rPr>
               <a:t>20778B</a:t>
             </a:r>
-            <a:endParaRPr lang="en-US" sz="1200" dirty="0">
-              <a:solidFill>
-                <a:srgbClr val="000000"/>
-              </a:solidFill>
-              <a:latin typeface="Arial" panose="020B0604020202020204" pitchFamily="34" charset="0"/>
-            </a:endParaRPr>
           </a:p>
         </p:txBody>
       </p:sp>
@@ -15638,7 +15119,7 @@
           <a:lstStyle/>
           <a:p>
             <a:r>
-              <a:rPr lang="en-US" sz="1200" dirty="0" smtClean="0">
+              <a:rPr lang="en-US" sz="1200" dirty="0">
                 <a:solidFill>
                   <a:srgbClr val="336699"/>
                 </a:solidFill>
@@ -15646,12 +15127,6 @@
               </a:rPr>
               <a:t>5: Modeling Data</a:t>
             </a:r>
-            <a:endParaRPr lang="en-US" sz="1200" dirty="0">
-              <a:solidFill>
-                <a:srgbClr val="336699"/>
-              </a:solidFill>
-              <a:latin typeface="Arial" panose="020B0604020202020204" pitchFamily="34" charset="0"/>
-            </a:endParaRPr>
           </a:p>
         </p:txBody>
       </p:sp>
@@ -15816,7 +15291,7 @@
           <a:lstStyle/>
           <a:p>
             <a:r>
-              <a:rPr lang="en-US" sz="1200" dirty="0" smtClean="0">
+              <a:rPr lang="en-US" sz="1200" dirty="0">
                 <a:solidFill>
                   <a:srgbClr val="000000"/>
                 </a:solidFill>
@@ -15824,12 +15299,6 @@
               </a:rPr>
               <a:t>20778B</a:t>
             </a:r>
-            <a:endParaRPr lang="en-US" sz="1200" dirty="0">
-              <a:solidFill>
-                <a:srgbClr val="000000"/>
-              </a:solidFill>
-              <a:latin typeface="Arial" panose="020B0604020202020204" pitchFamily="34" charset="0"/>
-            </a:endParaRPr>
           </a:p>
         </p:txBody>
       </p:sp>
@@ -15896,7 +15365,7 @@
           <a:lstStyle/>
           <a:p>
             <a:r>
-              <a:rPr lang="en-US" sz="1200" dirty="0" smtClean="0">
+              <a:rPr lang="en-US" sz="1200" dirty="0">
                 <a:solidFill>
                   <a:srgbClr val="336699"/>
                 </a:solidFill>
@@ -15904,12 +15373,6 @@
               </a:rPr>
               <a:t>5: Modeling Data</a:t>
             </a:r>
-            <a:endParaRPr lang="en-US" sz="1200" dirty="0">
-              <a:solidFill>
-                <a:srgbClr val="336699"/>
-              </a:solidFill>
-              <a:latin typeface="Arial" panose="020B0604020202020204" pitchFamily="34" charset="0"/>
-            </a:endParaRPr>
           </a:p>
         </p:txBody>
       </p:sp>
@@ -16074,7 +15537,7 @@
           <a:lstStyle/>
           <a:p>
             <a:r>
-              <a:rPr lang="en-US" sz="1200" dirty="0" smtClean="0">
+              <a:rPr lang="en-US" sz="1200" dirty="0">
                 <a:solidFill>
                   <a:srgbClr val="000000"/>
                 </a:solidFill>
@@ -16082,12 +15545,6 @@
               </a:rPr>
               <a:t>20778B</a:t>
             </a:r>
-            <a:endParaRPr lang="en-US" sz="1200" dirty="0">
-              <a:solidFill>
-                <a:srgbClr val="000000"/>
-              </a:solidFill>
-              <a:latin typeface="Arial" panose="020B0604020202020204" pitchFamily="34" charset="0"/>
-            </a:endParaRPr>
           </a:p>
         </p:txBody>
       </p:sp>
@@ -16154,7 +15611,7 @@
           <a:lstStyle/>
           <a:p>
             <a:r>
-              <a:rPr lang="en-US" sz="1200" dirty="0" smtClean="0">
+              <a:rPr lang="en-US" sz="1200" dirty="0">
                 <a:solidFill>
                   <a:srgbClr val="336699"/>
                 </a:solidFill>
@@ -16162,12 +15619,6 @@
               </a:rPr>
               <a:t>5: Modeling Data</a:t>
             </a:r>
-            <a:endParaRPr lang="en-US" sz="1200" dirty="0">
-              <a:solidFill>
-                <a:srgbClr val="336699"/>
-              </a:solidFill>
-              <a:latin typeface="Arial" panose="020B0604020202020204" pitchFamily="34" charset="0"/>
-            </a:endParaRPr>
           </a:p>
         </p:txBody>
       </p:sp>
@@ -16350,7 +15801,7 @@
           <a:lstStyle/>
           <a:p>
             <a:r>
-              <a:rPr lang="en-US" sz="1200" dirty="0" smtClean="0">
+              <a:rPr lang="en-US" sz="1200" dirty="0">
                 <a:solidFill>
                   <a:srgbClr val="000000"/>
                 </a:solidFill>
@@ -16358,12 +15809,6 @@
               </a:rPr>
               <a:t>20778B</a:t>
             </a:r>
-            <a:endParaRPr lang="en-US" sz="1200" dirty="0">
-              <a:solidFill>
-                <a:srgbClr val="000000"/>
-              </a:solidFill>
-              <a:latin typeface="Arial" panose="020B0604020202020204" pitchFamily="34" charset="0"/>
-            </a:endParaRPr>
           </a:p>
         </p:txBody>
       </p:sp>
@@ -16430,7 +15875,7 @@
           <a:lstStyle/>
           <a:p>
             <a:r>
-              <a:rPr lang="en-US" sz="1200" dirty="0" smtClean="0">
+              <a:rPr lang="en-US" sz="1200" dirty="0">
                 <a:solidFill>
                   <a:srgbClr val="336699"/>
                 </a:solidFill>
@@ -16438,12 +15883,6 @@
               </a:rPr>
               <a:t>5: Modeling Data</a:t>
             </a:r>
-            <a:endParaRPr lang="en-US" sz="1200" dirty="0">
-              <a:solidFill>
-                <a:srgbClr val="336699"/>
-              </a:solidFill>
-              <a:latin typeface="Arial" panose="020B0604020202020204" pitchFamily="34" charset="0"/>
-            </a:endParaRPr>
           </a:p>
         </p:txBody>
       </p:sp>
@@ -16525,7 +15964,7 @@
               </a:spcAft>
             </a:pPr>
             <a:r>
-              <a:rPr lang="en-GB" sz="1000" b="1" dirty="0" smtClean="0">
+              <a:rPr lang="en-GB" sz="1000" b="1" dirty="0">
                 <a:effectLst/>
                 <a:latin typeface="Arial" panose="020B0604020202020204" pitchFamily="34" charset="0"/>
                 <a:ea typeface="Calibri" panose="020F0502020204030204" pitchFamily="34" charset="0"/>
@@ -16533,7 +15972,7 @@
               </a:rPr>
               <a:t>Preparation Steps</a:t>
             </a:r>
-            <a:endParaRPr lang="en-US" sz="1000" dirty="0" smtClean="0">
+            <a:endParaRPr lang="en-US" sz="1000" dirty="0">
               <a:effectLst/>
               <a:latin typeface="Arial" panose="020B0604020202020204" pitchFamily="34" charset="0"/>
               <a:ea typeface="Calibri" panose="020F0502020204030204" pitchFamily="34" charset="0"/>
@@ -16550,7 +15989,7 @@
               </a:spcAft>
             </a:pPr>
             <a:r>
-              <a:rPr lang="en-GB" sz="1000" dirty="0" smtClean="0">
+              <a:rPr lang="en-GB" sz="1000" dirty="0">
                 <a:effectLst/>
                 <a:latin typeface="Arial" panose="020B0604020202020204" pitchFamily="34" charset="0"/>
                 <a:ea typeface="Calibri" panose="020F0502020204030204" pitchFamily="34" charset="0"/>
@@ -16558,7 +15997,7 @@
               </a:rPr>
               <a:t>This demonstration requires the Power BI Desktop application to be installed on the MIA-SQL virtual machine.</a:t>
             </a:r>
-            <a:endParaRPr lang="en-US" sz="1000" dirty="0" smtClean="0">
+            <a:endParaRPr lang="en-US" sz="1000" dirty="0">
               <a:effectLst/>
               <a:latin typeface="Arial" panose="020B0604020202020204" pitchFamily="34" charset="0"/>
               <a:ea typeface="Calibri" panose="020F0502020204030204" pitchFamily="34" charset="0"/>
@@ -16575,7 +16014,7 @@
               </a:spcAft>
             </a:pPr>
             <a:r>
-              <a:rPr lang="en-GB" sz="1000" dirty="0" smtClean="0">
+              <a:rPr lang="en-GB" sz="1000" dirty="0">
                 <a:effectLst/>
                 <a:latin typeface="Arial" panose="020B0604020202020204" pitchFamily="34" charset="0"/>
                 <a:ea typeface="Times New Roman" panose="02020603050405020304" pitchFamily="18" charset="0"/>
@@ -16583,7 +16022,7 @@
               </a:rPr>
               <a:t>Install Power BI Desktop</a:t>
             </a:r>
-            <a:endParaRPr lang="en-US" sz="1000" dirty="0" smtClean="0">
+            <a:endParaRPr lang="en-US" sz="1000" dirty="0">
               <a:effectLst/>
               <a:latin typeface="Arial" panose="020B0604020202020204" pitchFamily="34" charset="0"/>
               <a:ea typeface="Calibri" panose="020F0502020204030204" pitchFamily="34" charset="0"/>
@@ -17585,22 +17024,13 @@
               </a:spcAft>
             </a:pPr>
             <a:r>
-              <a:rPr lang="en-GB" sz="1000" dirty="0" smtClean="0">
+              <a:rPr lang="en-GB" sz="1000" dirty="0">
                 <a:effectLst/>
                 <a:latin typeface="Arial" panose="020B0604020202020204" pitchFamily="34" charset="0"/>
                 <a:ea typeface="Times New Roman" panose="02020603050405020304" pitchFamily="18" charset="0"/>
                 <a:cs typeface="Times New Roman" panose="02020603050405020304" pitchFamily="18" charset="0"/>
               </a:rPr>
-              <a:t>Create a Power BI </a:t>
-            </a:r>
-            <a:r>
-              <a:rPr lang="en-GB" sz="1000" dirty="0" smtClean="0">
-                <a:effectLst/>
-                <a:latin typeface="Arial" panose="020B0604020202020204" pitchFamily="34" charset="0"/>
-                <a:ea typeface="Times New Roman" panose="02020603050405020304" pitchFamily="18" charset="0"/>
-                <a:cs typeface="Times New Roman" panose="02020603050405020304" pitchFamily="18" charset="0"/>
-              </a:rPr>
-              <a:t>Account</a:t>
+              <a:t>Create a Power BI Account</a:t>
             </a:r>
           </a:p>
           <a:p>
@@ -17670,7 +17100,7 @@
               <a:t>, and follow the steps to create an account</a:t>
             </a:r>
             <a:r>
-              <a:rPr lang="en-US" sz="1000" dirty="0" smtClean="0">
+              <a:rPr lang="en-US" sz="1000" dirty="0">
                 <a:solidFill>
                   <a:srgbClr val="000000"/>
                 </a:solidFill>
@@ -17680,7 +17110,7 @@
               </a:rPr>
               <a:t>.</a:t>
             </a:r>
-            <a:endParaRPr lang="en-US" sz="1000" dirty="0" smtClean="0">
+            <a:endParaRPr lang="en-US" sz="1000" dirty="0">
               <a:effectLst/>
               <a:latin typeface="Arial" panose="020B0604020202020204" pitchFamily="34" charset="0"/>
               <a:ea typeface="Calibri" panose="020F0502020204030204" pitchFamily="34" charset="0"/>
@@ -17796,7 +17226,7 @@
           <a:lstStyle/>
           <a:p>
             <a:r>
-              <a:rPr lang="en-US" sz="1200" dirty="0" smtClean="0">
+              <a:rPr lang="en-US" sz="1200" dirty="0">
                 <a:solidFill>
                   <a:srgbClr val="000000"/>
                 </a:solidFill>
@@ -17804,12 +17234,6 @@
               </a:rPr>
               <a:t>20778B</a:t>
             </a:r>
-            <a:endParaRPr lang="en-US" sz="1200" dirty="0">
-              <a:solidFill>
-                <a:srgbClr val="000000"/>
-              </a:solidFill>
-              <a:latin typeface="Arial" panose="020B0604020202020204" pitchFamily="34" charset="0"/>
-            </a:endParaRPr>
           </a:p>
         </p:txBody>
       </p:sp>
@@ -17876,7 +17300,7 @@
           <a:lstStyle/>
           <a:p>
             <a:r>
-              <a:rPr lang="en-US" sz="1200" dirty="0" smtClean="0">
+              <a:rPr lang="en-US" sz="1200" dirty="0">
                 <a:solidFill>
                   <a:srgbClr val="336699"/>
                 </a:solidFill>
@@ -17884,12 +17308,6 @@
               </a:rPr>
               <a:t>5: Modeling Data</a:t>
             </a:r>
-            <a:endParaRPr lang="en-US" sz="1200" dirty="0">
-              <a:solidFill>
-                <a:srgbClr val="336699"/>
-              </a:solidFill>
-              <a:latin typeface="Arial" panose="020B0604020202020204" pitchFamily="34" charset="0"/>
-            </a:endParaRPr>
           </a:p>
         </p:txBody>
       </p:sp>
@@ -17916,7 +17334,7 @@
           <a:lstStyle/>
           <a:p>
             <a:r>
-              <a:rPr lang="en-GB" sz="1000" b="0" dirty="0" smtClean="0">
+              <a:rPr lang="en-GB" sz="1000" b="0" dirty="0">
                 <a:latin typeface="Arial" panose="020B0604020202020204" pitchFamily="34" charset="0"/>
               </a:rPr>
               <a:t>(More notes on the next slide)</a:t>
@@ -18050,10 +17468,9 @@
           </a:lstStyle>
           <a:p>
             <a:r>
-              <a:rPr lang="en-US" dirty="0" smtClean="0"/>
+              <a:rPr lang="en-US" dirty="0"/>
               <a:t>Course #</a:t>
             </a:r>
-            <a:endParaRPr lang="en-US" dirty="0"/>
           </a:p>
         </p:txBody>
       </p:sp>
@@ -18097,10 +17514,9 @@
           </a:lstStyle>
           <a:p>
             <a:r>
-              <a:rPr lang="en-US" dirty="0" smtClean="0"/>
+              <a:rPr lang="en-US" dirty="0"/>
               <a:t>Click to edit Course title</a:t>
             </a:r>
-            <a:endParaRPr lang="en-US" dirty="0"/>
           </a:p>
         </p:txBody>
       </p:sp>
@@ -18150,10 +17566,9 @@
           <a:lstStyle/>
           <a:p>
             <a:r>
-              <a:rPr lang="en-US" smtClean="0"/>
+              <a:rPr lang="en-US"/>
               <a:t>Click to edit Master title style</a:t>
             </a:r>
-            <a:endParaRPr lang="en-US"/>
           </a:p>
         </p:txBody>
       </p:sp>
@@ -18174,35 +17589,35 @@
           <a:p>
             <a:pPr lvl="0"/>
             <a:r>
-              <a:rPr lang="en-US" smtClean="0"/>
+              <a:rPr lang="en-US"/>
               <a:t>Edit Master text styles</a:t>
             </a:r>
           </a:p>
           <a:p>
             <a:pPr lvl="1"/>
             <a:r>
-              <a:rPr lang="en-US" smtClean="0"/>
+              <a:rPr lang="en-US"/>
               <a:t>Second level</a:t>
             </a:r>
           </a:p>
           <a:p>
             <a:pPr lvl="2"/>
             <a:r>
-              <a:rPr lang="en-US" smtClean="0"/>
+              <a:rPr lang="en-US"/>
               <a:t>Third level</a:t>
             </a:r>
           </a:p>
           <a:p>
             <a:pPr lvl="3"/>
             <a:r>
-              <a:rPr lang="en-US" smtClean="0"/>
+              <a:rPr lang="en-US"/>
               <a:t>Fourth level</a:t>
             </a:r>
           </a:p>
           <a:p>
             <a:pPr lvl="4"/>
             <a:r>
-              <a:rPr lang="en-US" smtClean="0"/>
+              <a:rPr lang="en-US"/>
               <a:t>Fifth level</a:t>
             </a:r>
             <a:endParaRPr lang="en-US" dirty="0"/>
@@ -18260,7 +17675,7 @@
           <a:lstStyle/>
           <a:p>
             <a:r>
-              <a:rPr lang="en-US" smtClean="0"/>
+              <a:rPr lang="en-US"/>
               <a:t>Click to edit Master title style</a:t>
             </a:r>
             <a:endParaRPr lang="en-US" dirty="0"/>
@@ -18289,35 +17704,35 @@
           <a:p>
             <a:pPr lvl="0"/>
             <a:r>
-              <a:rPr lang="en-US" smtClean="0"/>
+              <a:rPr lang="en-US"/>
               <a:t>Edit Master text styles</a:t>
             </a:r>
           </a:p>
           <a:p>
             <a:pPr lvl="1"/>
             <a:r>
-              <a:rPr lang="en-US" smtClean="0"/>
+              <a:rPr lang="en-US"/>
               <a:t>Second level</a:t>
             </a:r>
           </a:p>
           <a:p>
             <a:pPr lvl="2"/>
             <a:r>
-              <a:rPr lang="en-US" smtClean="0"/>
+              <a:rPr lang="en-US"/>
               <a:t>Third level</a:t>
             </a:r>
           </a:p>
           <a:p>
             <a:pPr lvl="3"/>
             <a:r>
-              <a:rPr lang="en-US" smtClean="0"/>
+              <a:rPr lang="en-US"/>
               <a:t>Fourth level</a:t>
             </a:r>
           </a:p>
           <a:p>
             <a:pPr lvl="4"/>
             <a:r>
-              <a:rPr lang="en-US" smtClean="0"/>
+              <a:rPr lang="en-US"/>
               <a:t>Fifth level</a:t>
             </a:r>
             <a:endParaRPr lang="en-US" dirty="0"/>
@@ -18370,10 +17785,9 @@
           <a:lstStyle/>
           <a:p>
             <a:r>
-              <a:rPr lang="en-US" smtClean="0"/>
+              <a:rPr lang="en-US"/>
               <a:t>Click to edit Master title style</a:t>
             </a:r>
-            <a:endParaRPr lang="en-US"/>
           </a:p>
         </p:txBody>
       </p:sp>
@@ -18394,38 +17808,37 @@
           <a:p>
             <a:pPr lvl="0"/>
             <a:r>
-              <a:rPr lang="en-US" smtClean="0"/>
+              <a:rPr lang="en-US"/>
               <a:t>Edit Master text styles</a:t>
             </a:r>
           </a:p>
           <a:p>
             <a:pPr lvl="1"/>
             <a:r>
-              <a:rPr lang="en-US" smtClean="0"/>
+              <a:rPr lang="en-US"/>
               <a:t>Second level</a:t>
             </a:r>
           </a:p>
           <a:p>
             <a:pPr lvl="2"/>
             <a:r>
-              <a:rPr lang="en-US" smtClean="0"/>
+              <a:rPr lang="en-US"/>
               <a:t>Third level</a:t>
             </a:r>
           </a:p>
           <a:p>
             <a:pPr lvl="3"/>
             <a:r>
-              <a:rPr lang="en-US" smtClean="0"/>
+              <a:rPr lang="en-US"/>
               <a:t>Fourth level</a:t>
             </a:r>
           </a:p>
           <a:p>
             <a:pPr lvl="4"/>
             <a:r>
-              <a:rPr lang="en-US" smtClean="0"/>
+              <a:rPr lang="en-US"/>
               <a:t>Fifth level</a:t>
             </a:r>
-            <a:endParaRPr lang="en-US"/>
           </a:p>
         </p:txBody>
       </p:sp>
@@ -18475,10 +17888,9 @@
           <a:lstStyle/>
           <a:p>
             <a:r>
-              <a:rPr lang="en-US" smtClean="0"/>
+              <a:rPr lang="en-US"/>
               <a:t>Click to edit Master title style</a:t>
             </a:r>
-            <a:endParaRPr lang="en-US"/>
           </a:p>
         </p:txBody>
       </p:sp>
@@ -18499,35 +17911,35 @@
           <a:p>
             <a:pPr lvl="0"/>
             <a:r>
-              <a:rPr lang="en-US" smtClean="0"/>
+              <a:rPr lang="en-US"/>
               <a:t>Edit Master text styles</a:t>
             </a:r>
           </a:p>
           <a:p>
             <a:pPr lvl="1"/>
             <a:r>
-              <a:rPr lang="en-US" smtClean="0"/>
+              <a:rPr lang="en-US"/>
               <a:t>Second level</a:t>
             </a:r>
           </a:p>
           <a:p>
             <a:pPr lvl="2"/>
             <a:r>
-              <a:rPr lang="en-US" smtClean="0"/>
+              <a:rPr lang="en-US"/>
               <a:t>Third level</a:t>
             </a:r>
           </a:p>
           <a:p>
             <a:pPr lvl="3"/>
             <a:r>
-              <a:rPr lang="en-US" smtClean="0"/>
+              <a:rPr lang="en-US"/>
               <a:t>Fourth level</a:t>
             </a:r>
           </a:p>
           <a:p>
             <a:pPr lvl="4"/>
             <a:r>
-              <a:rPr lang="en-US" smtClean="0"/>
+              <a:rPr lang="en-US"/>
               <a:t>Fifth level</a:t>
             </a:r>
             <a:endParaRPr lang="en-US" dirty="0"/>
@@ -18589,10 +18001,9 @@
           </a:lstStyle>
           <a:p>
             <a:r>
-              <a:rPr lang="en-US" smtClean="0"/>
+              <a:rPr lang="en-US"/>
               <a:t>Click to edit Master title style</a:t>
             </a:r>
-            <a:endParaRPr lang="en-US"/>
           </a:p>
         </p:txBody>
       </p:sp>
@@ -18655,7 +18066,7 @@
           <a:p>
             <a:pPr lvl="0"/>
             <a:r>
-              <a:rPr lang="en-US" smtClean="0"/>
+              <a:rPr lang="en-US"/>
               <a:t>Edit Master text styles</a:t>
             </a:r>
           </a:p>
@@ -18707,7 +18118,7 @@
           <a:lstStyle/>
           <a:p>
             <a:r>
-              <a:rPr lang="en-US" smtClean="0"/>
+              <a:rPr lang="en-US"/>
               <a:t>Click to edit Master title style</a:t>
             </a:r>
             <a:endParaRPr lang="en-US" dirty="0"/>
@@ -18764,35 +18175,35 @@
           <a:p>
             <a:pPr lvl="0"/>
             <a:r>
-              <a:rPr lang="en-US" smtClean="0"/>
+              <a:rPr lang="en-US"/>
               <a:t>Edit Master text styles</a:t>
             </a:r>
           </a:p>
           <a:p>
             <a:pPr lvl="1"/>
             <a:r>
-              <a:rPr lang="en-US" smtClean="0"/>
+              <a:rPr lang="en-US"/>
               <a:t>Second level</a:t>
             </a:r>
           </a:p>
           <a:p>
             <a:pPr lvl="2"/>
             <a:r>
-              <a:rPr lang="en-US" smtClean="0"/>
+              <a:rPr lang="en-US"/>
               <a:t>Third level</a:t>
             </a:r>
           </a:p>
           <a:p>
             <a:pPr lvl="3"/>
             <a:r>
-              <a:rPr lang="en-US" smtClean="0"/>
+              <a:rPr lang="en-US"/>
               <a:t>Fourth level</a:t>
             </a:r>
           </a:p>
           <a:p>
             <a:pPr lvl="4"/>
             <a:r>
-              <a:rPr lang="en-US" smtClean="0"/>
+              <a:rPr lang="en-US"/>
               <a:t>Fifth level</a:t>
             </a:r>
             <a:endParaRPr lang="en-US" dirty="0"/>
@@ -18849,35 +18260,35 @@
           <a:p>
             <a:pPr lvl="0"/>
             <a:r>
-              <a:rPr lang="en-US" smtClean="0"/>
+              <a:rPr lang="en-US"/>
               <a:t>Edit Master text styles</a:t>
             </a:r>
           </a:p>
           <a:p>
             <a:pPr lvl="1"/>
             <a:r>
-              <a:rPr lang="en-US" smtClean="0"/>
+              <a:rPr lang="en-US"/>
               <a:t>Second level</a:t>
             </a:r>
           </a:p>
           <a:p>
             <a:pPr lvl="2"/>
             <a:r>
-              <a:rPr lang="en-US" smtClean="0"/>
+              <a:rPr lang="en-US"/>
               <a:t>Third level</a:t>
             </a:r>
           </a:p>
           <a:p>
             <a:pPr lvl="3"/>
             <a:r>
-              <a:rPr lang="en-US" smtClean="0"/>
+              <a:rPr lang="en-US"/>
               <a:t>Fourth level</a:t>
             </a:r>
           </a:p>
           <a:p>
             <a:pPr lvl="4"/>
             <a:r>
-              <a:rPr lang="en-US" smtClean="0"/>
+              <a:rPr lang="en-US"/>
               <a:t>Fifth level</a:t>
             </a:r>
             <a:endParaRPr lang="en-US" dirty="0"/>
@@ -18939,10 +18350,9 @@
           </a:lstStyle>
           <a:p>
             <a:r>
-              <a:rPr lang="en-US" smtClean="0"/>
+              <a:rPr lang="en-US"/>
               <a:t>Click to edit Master title style</a:t>
             </a:r>
-            <a:endParaRPr lang="en-US"/>
           </a:p>
         </p:txBody>
       </p:sp>
@@ -19009,7 +18419,7 @@
           <a:p>
             <a:pPr lvl="0"/>
             <a:r>
-              <a:rPr lang="en-US" smtClean="0"/>
+              <a:rPr lang="en-US"/>
               <a:t>Edit Master text styles</a:t>
             </a:r>
           </a:p>
@@ -19065,35 +18475,35 @@
           <a:p>
             <a:pPr lvl="0"/>
             <a:r>
-              <a:rPr lang="en-US" smtClean="0"/>
+              <a:rPr lang="en-US"/>
               <a:t>Edit Master text styles</a:t>
             </a:r>
           </a:p>
           <a:p>
             <a:pPr lvl="1"/>
             <a:r>
-              <a:rPr lang="en-US" smtClean="0"/>
+              <a:rPr lang="en-US"/>
               <a:t>Second level</a:t>
             </a:r>
           </a:p>
           <a:p>
             <a:pPr lvl="2"/>
             <a:r>
-              <a:rPr lang="en-US" smtClean="0"/>
+              <a:rPr lang="en-US"/>
               <a:t>Third level</a:t>
             </a:r>
           </a:p>
           <a:p>
             <a:pPr lvl="3"/>
             <a:r>
-              <a:rPr lang="en-US" smtClean="0"/>
+              <a:rPr lang="en-US"/>
               <a:t>Fourth level</a:t>
             </a:r>
           </a:p>
           <a:p>
             <a:pPr lvl="4"/>
             <a:r>
-              <a:rPr lang="en-US" smtClean="0"/>
+              <a:rPr lang="en-US"/>
               <a:t>Fifth level</a:t>
             </a:r>
             <a:endParaRPr lang="en-US" dirty="0"/>
@@ -19163,7 +18573,7 @@
           <a:p>
             <a:pPr lvl="0"/>
             <a:r>
-              <a:rPr lang="en-US" smtClean="0"/>
+              <a:rPr lang="en-US"/>
               <a:t>Edit Master text styles</a:t>
             </a:r>
           </a:p>
@@ -19219,35 +18629,35 @@
           <a:p>
             <a:pPr lvl="0"/>
             <a:r>
-              <a:rPr lang="en-US" smtClean="0"/>
+              <a:rPr lang="en-US"/>
               <a:t>Edit Master text styles</a:t>
             </a:r>
           </a:p>
           <a:p>
             <a:pPr lvl="1"/>
             <a:r>
-              <a:rPr lang="en-US" smtClean="0"/>
+              <a:rPr lang="en-US"/>
               <a:t>Second level</a:t>
             </a:r>
           </a:p>
           <a:p>
             <a:pPr lvl="2"/>
             <a:r>
-              <a:rPr lang="en-US" smtClean="0"/>
+              <a:rPr lang="en-US"/>
               <a:t>Third level</a:t>
             </a:r>
           </a:p>
           <a:p>
             <a:pPr lvl="3"/>
             <a:r>
-              <a:rPr lang="en-US" smtClean="0"/>
+              <a:rPr lang="en-US"/>
               <a:t>Fourth level</a:t>
             </a:r>
           </a:p>
           <a:p>
             <a:pPr lvl="4"/>
             <a:r>
-              <a:rPr lang="en-US" smtClean="0"/>
+              <a:rPr lang="en-US"/>
               <a:t>Fifth level</a:t>
             </a:r>
             <a:endParaRPr lang="en-US" dirty="0"/>
@@ -19300,10 +18710,9 @@
           <a:lstStyle/>
           <a:p>
             <a:r>
-              <a:rPr lang="en-US" smtClean="0"/>
+              <a:rPr lang="en-US"/>
               <a:t>Click to edit Master title style</a:t>
             </a:r>
-            <a:endParaRPr lang="en-US"/>
           </a:p>
         </p:txBody>
       </p:sp>
@@ -19392,7 +18801,7 @@
           </a:lstStyle>
           <a:p>
             <a:r>
-              <a:rPr lang="en-US" smtClean="0"/>
+              <a:rPr lang="en-US"/>
               <a:t>Click to edit Master title style</a:t>
             </a:r>
             <a:endParaRPr lang="en-US" dirty="0"/>
@@ -19453,35 +18862,35 @@
           <a:p>
             <a:pPr lvl="0"/>
             <a:r>
-              <a:rPr lang="en-US" smtClean="0"/>
+              <a:rPr lang="en-US"/>
               <a:t>Edit Master text styles</a:t>
             </a:r>
           </a:p>
           <a:p>
             <a:pPr lvl="1"/>
             <a:r>
-              <a:rPr lang="en-US" smtClean="0"/>
+              <a:rPr lang="en-US"/>
               <a:t>Second level</a:t>
             </a:r>
           </a:p>
           <a:p>
             <a:pPr lvl="2"/>
             <a:r>
-              <a:rPr lang="en-US" smtClean="0"/>
+              <a:rPr lang="en-US"/>
               <a:t>Third level</a:t>
             </a:r>
           </a:p>
           <a:p>
             <a:pPr lvl="3"/>
             <a:r>
-              <a:rPr lang="en-US" smtClean="0"/>
+              <a:rPr lang="en-US"/>
               <a:t>Fourth level</a:t>
             </a:r>
           </a:p>
           <a:p>
             <a:pPr lvl="4"/>
             <a:r>
-              <a:rPr lang="en-US" smtClean="0"/>
+              <a:rPr lang="en-US"/>
               <a:t>Fifth level</a:t>
             </a:r>
             <a:endParaRPr lang="en-US" dirty="0"/>
@@ -19547,7 +18956,7 @@
           <a:p>
             <a:pPr lvl="0"/>
             <a:r>
-              <a:rPr lang="en-US" smtClean="0"/>
+              <a:rPr lang="en-US"/>
               <a:t>Edit Master text styles</a:t>
             </a:r>
           </a:p>
@@ -19608,10 +19017,9 @@
           </a:lstStyle>
           <a:p>
             <a:r>
-              <a:rPr lang="en-US" smtClean="0"/>
+              <a:rPr lang="en-US"/>
               <a:t>Click to edit Master title style</a:t>
             </a:r>
-            <a:endParaRPr lang="en-US"/>
           </a:p>
         </p:txBody>
       </p:sp>
@@ -19674,10 +19082,9 @@
           <a:p>
             <a:pPr lvl="0"/>
             <a:r>
-              <a:rPr lang="en-US" noProof="0" dirty="0" smtClean="0"/>
+              <a:rPr lang="en-US" noProof="0" dirty="0"/>
               <a:t>Click icon to add picture</a:t>
             </a:r>
-            <a:endParaRPr lang="en-US" noProof="0" dirty="0"/>
           </a:p>
         </p:txBody>
       </p:sp>
@@ -19740,7 +19147,7 @@
           <a:p>
             <a:pPr lvl="0"/>
             <a:r>
-              <a:rPr lang="en-US" smtClean="0"/>
+              <a:rPr lang="en-US"/>
               <a:t>Edit Master text styles</a:t>
             </a:r>
           </a:p>
@@ -19904,7 +19311,7 @@
           <a:p>
             <a:pPr lvl="0"/>
             <a:r>
-              <a:rPr lang="en-US" dirty="0" smtClean="0"/>
+              <a:rPr lang="en-US" dirty="0"/>
               <a:t>Slide Title</a:t>
             </a:r>
           </a:p>
@@ -19946,35 +19353,35 @@
           <a:p>
             <a:pPr lvl="0"/>
             <a:r>
-              <a:rPr lang="en-US" dirty="0" smtClean="0"/>
+              <a:rPr lang="en-US" dirty="0"/>
               <a:t>Body Text</a:t>
             </a:r>
           </a:p>
           <a:p>
             <a:pPr lvl="1"/>
             <a:r>
-              <a:rPr lang="en-US" dirty="0" smtClean="0"/>
+              <a:rPr lang="en-US" dirty="0"/>
               <a:t>Second level</a:t>
             </a:r>
           </a:p>
           <a:p>
             <a:pPr lvl="2"/>
             <a:r>
-              <a:rPr lang="en-US" dirty="0" smtClean="0"/>
+              <a:rPr lang="en-US" dirty="0"/>
               <a:t>Third level</a:t>
             </a:r>
           </a:p>
           <a:p>
             <a:pPr lvl="3"/>
             <a:r>
-              <a:rPr lang="en-US" dirty="0" smtClean="0"/>
+              <a:rPr lang="en-US" dirty="0"/>
               <a:t>Fourth level</a:t>
             </a:r>
           </a:p>
           <a:p>
             <a:pPr lvl="4"/>
             <a:r>
-              <a:rPr lang="en-US" dirty="0" smtClean="0"/>
+              <a:rPr lang="en-US" dirty="0"/>
               <a:t>Fifth level</a:t>
             </a:r>
           </a:p>
@@ -20002,13 +19409,6 @@
     <p:sldLayoutId id="2147483671" r:id="rId11"/>
     <p:sldLayoutId id="2147483672" r:id="rId12"/>
   </p:sldLayoutIdLst>
-  <p:timing>
-    <p:tnLst>
-      <p:par>
-        <p:cTn id="1" dur="indefinite" restart="never" nodeType="tmRoot"/>
-      </p:par>
-    </p:tnLst>
-  </p:timing>
   <p:txStyles>
     <p:titleStyle>
       <a:lvl1pPr algn="l" rtl="0" eaLnBrk="1" fontAlgn="base" hangingPunct="1">
@@ -20555,10 +19955,9 @@
           <a:lstStyle/>
           <a:p>
             <a:r>
-              <a:rPr lang="en-US" dirty="0" smtClean="0"/>
+              <a:rPr lang="en-US" dirty="0"/>
               <a:t>Module 5</a:t>
             </a:r>
-            <a:endParaRPr lang="en-US" dirty="0"/>
           </a:p>
         </p:txBody>
       </p:sp>
@@ -20578,11 +19977,10 @@
           <a:lstStyle/>
           <a:p>
             <a:r>
-              <a:rPr lang="en-US" dirty="0" smtClean="0"/>
+              <a:rPr lang="en-US" dirty="0"/>
               <a:t>Modeling Data
 </a:t>
             </a:r>
-            <a:endParaRPr lang="en-US" dirty="0"/>
           </a:p>
         </p:txBody>
       </p:sp>
@@ -20664,14 +20062,6 @@
   <p:clrMapOvr>
     <a:masterClrMapping/>
   </p:clrMapOvr>
-  <mc:AlternateContent xmlns:mc="http://schemas.openxmlformats.org/markup-compatibility/2006" xmlns:p14="http://schemas.microsoft.com/office/powerpoint/2010/main">
-    <mc:Choice Requires="p14">
-      <p:transition spd="slow" p14:dur="2000"/>
-    </mc:Choice>
-    <mc:Fallback xmlns="">
-      <p:transition spd="slow"/>
-    </mc:Fallback>
-  </mc:AlternateContent>
 </p:sld>
 </file>
 
@@ -20740,14 +20130,6 @@
   <p:clrMapOvr>
     <a:masterClrMapping/>
   </p:clrMapOvr>
-  <mc:AlternateContent xmlns:mc="http://schemas.openxmlformats.org/markup-compatibility/2006" xmlns:p14="http://schemas.microsoft.com/office/powerpoint/2010/main">
-    <mc:Choice Requires="p14">
-      <p:transition spd="slow" p14:dur="2000"/>
-    </mc:Choice>
-    <mc:Fallback xmlns="">
-      <p:transition spd="slow"/>
-    </mc:Fallback>
-  </mc:AlternateContent>
 </p:sld>
 </file>
 
@@ -20816,14 +20198,6 @@
   <p:clrMapOvr>
     <a:masterClrMapping/>
   </p:clrMapOvr>
-  <mc:AlternateContent xmlns:mc="http://schemas.openxmlformats.org/markup-compatibility/2006" xmlns:p14="http://schemas.microsoft.com/office/powerpoint/2010/main">
-    <mc:Choice Requires="p14">
-      <p:transition spd="slow" p14:dur="2000"/>
-    </mc:Choice>
-    <mc:Fallback xmlns="">
-      <p:transition spd="slow"/>
-    </mc:Fallback>
-  </mc:AlternateContent>
 </p:sld>
 </file>
 
@@ -20892,14 +20266,6 @@
   <p:clrMapOvr>
     <a:masterClrMapping/>
   </p:clrMapOvr>
-  <mc:AlternateContent xmlns:mc="http://schemas.openxmlformats.org/markup-compatibility/2006" xmlns:p14="http://schemas.microsoft.com/office/powerpoint/2010/main">
-    <mc:Choice Requires="p14">
-      <p:transition spd="slow" p14:dur="2000"/>
-    </mc:Choice>
-    <mc:Fallback xmlns="">
-      <p:transition spd="slow"/>
-    </mc:Fallback>
-  </mc:AlternateContent>
 </p:sld>
 </file>
 
@@ -20936,10 +20302,9 @@
           <a:lstStyle/>
           <a:p>
             <a:r>
-              <a:rPr lang="en-US" dirty="0" smtClean="0"/>
+              <a:rPr lang="en-US" dirty="0"/>
               <a:t>Lesson 2: DAX Queries</a:t>
             </a:r>
-            <a:endParaRPr lang="en-US" dirty="0"/>
           </a:p>
         </p:txBody>
       </p:sp>
@@ -20959,12 +20324,26 @@
           <a:lstStyle/>
           <a:p>
             <a:r>
-              <a:rPr lang="en-GB" dirty="0" smtClean="0"/>
+              <a:rPr lang="en-GB" dirty="0"/>
               <a:t>What Is DAX?
 Syntax
 Functions
 Context
 Demonstration: Row and Filter Context in DAX Formulas</a:t>
+            </a:r>
+          </a:p>
+          <a:p>
+            <a:endParaRPr lang="en-GB" dirty="0"/>
+          </a:p>
+          <a:p>
+            <a:pPr marL="284163" lvl="1" indent="0">
+              <a:buNone/>
+            </a:pPr>
+            <a:r>
+              <a:rPr lang="en-GB" dirty="0">
+                <a:hlinkClick r:id="rId3"/>
+              </a:rPr>
+              <a:t>https://docs.microsoft.com/en-us/dax/dax-function-reference</a:t>
             </a:r>
             <a:endParaRPr lang="en-US" dirty="0"/>
           </a:p>
@@ -21016,10 +20395,9 @@
           <a:lstStyle/>
           <a:p>
             <a:r>
-              <a:rPr lang="en-US" dirty="0" smtClean="0"/>
+              <a:rPr lang="en-US" dirty="0"/>
               <a:t>What Is DAX?</a:t>
             </a:r>
-            <a:endParaRPr lang="en-US" dirty="0"/>
           </a:p>
         </p:txBody>
       </p:sp>
@@ -21075,13 +20453,8 @@
             <a:pPr lvl="1"/>
             <a:r>
               <a:rPr lang="en-US" sz="2000" dirty="0"/>
-              <a:t>Helps you gain insights into your data that you would not necessarily see just from importing </a:t>
-            </a:r>
-            <a:r>
-              <a:rPr lang="en-US" sz="2000" dirty="0" smtClean="0"/>
-              <a:t>it</a:t>
-            </a:r>
-            <a:endParaRPr lang="en-US" sz="2000" dirty="0"/>
+              <a:t>Helps you gain insights into your data that you would not necessarily see just from importing it</a:t>
+            </a:r>
           </a:p>
         </p:txBody>
       </p:sp>
@@ -21131,10 +20504,9 @@
           <a:lstStyle/>
           <a:p>
             <a:r>
-              <a:rPr lang="en-US" dirty="0" smtClean="0"/>
+              <a:rPr lang="en-US" dirty="0"/>
               <a:t>Syntax</a:t>
             </a:r>
-            <a:endParaRPr lang="en-US" dirty="0"/>
           </a:p>
         </p:txBody>
       </p:sp>
@@ -21508,10 +20880,9 @@
           <a:lstStyle/>
           <a:p>
             <a:r>
-              <a:rPr lang="en-US" dirty="0" smtClean="0"/>
+              <a:rPr lang="en-US" dirty="0"/>
               <a:t>Functions</a:t>
             </a:r>
-            <a:endParaRPr lang="en-US" dirty="0"/>
           </a:p>
         </p:txBody>
       </p:sp>
@@ -21863,10 +21234,9 @@
           <a:lstStyle/>
           <a:p>
             <a:r>
-              <a:rPr lang="en-US" dirty="0" smtClean="0"/>
+              <a:rPr lang="en-US" dirty="0"/>
               <a:t>Context</a:t>
             </a:r>
-            <a:endParaRPr lang="en-US" dirty="0"/>
           </a:p>
         </p:txBody>
       </p:sp>
@@ -22200,21 +21570,8 @@
                   <a:srgbClr val="000000"/>
                 </a:solidFill>
               </a:rPr>
-              <a:t>You can apply filter contexts using visualizations, and </a:t>
-            </a:r>
-            <a:r>
-              <a:rPr lang="en-US" b="0" kern="0" dirty="0" smtClean="0">
-                <a:solidFill>
-                  <a:srgbClr val="000000"/>
-                </a:solidFill>
-              </a:rPr>
-              <a:t>DAX</a:t>
-            </a:r>
-            <a:endParaRPr lang="en-US" b="0" kern="0" dirty="0">
-              <a:solidFill>
-                <a:srgbClr val="000000"/>
-              </a:solidFill>
-            </a:endParaRPr>
+              <a:t>You can apply filter contexts using visualizations, and DAX</a:t>
+            </a:r>
           </a:p>
         </p:txBody>
       </p:sp>
@@ -22269,7 +21626,7 @@
           <a:lstStyle/>
           <a:p>
             <a:r>
-              <a:rPr lang="en-GB" dirty="0" smtClean="0"/>
+              <a:rPr lang="en-GB" dirty="0"/>
               <a:t>Demonstration: Row and Filter Context in DAX Formulas</a:t>
             </a:r>
             <a:endParaRPr lang="en-US" dirty="0"/>
@@ -22569,10 +21926,9 @@
           <a:lstStyle/>
           <a:p>
             <a:r>
-              <a:rPr lang="en-US" dirty="0" smtClean="0"/>
+              <a:rPr lang="en-US" dirty="0"/>
               <a:t>Module Overview</a:t>
             </a:r>
-            <a:endParaRPr lang="en-US" dirty="0"/>
           </a:p>
         </p:txBody>
       </p:sp>
@@ -22592,7 +21948,7 @@
           <a:lstStyle/>
           <a:p>
             <a:r>
-              <a:rPr lang="en-GB" dirty="0" smtClean="0"/>
+              <a:rPr lang="en-GB" dirty="0"/>
               <a:t>Relationships
 DAX Queries
 Calculations and Measures</a:t>
@@ -22679,14 +22035,6 @@
   <p:clrMapOvr>
     <a:masterClrMapping/>
   </p:clrMapOvr>
-  <mc:AlternateContent xmlns:mc="http://schemas.openxmlformats.org/markup-compatibility/2006" xmlns:p14="http://schemas.microsoft.com/office/powerpoint/2010/main">
-    <mc:Choice Requires="p14">
-      <p:transition spd="slow" p14:dur="2000"/>
-    </mc:Choice>
-    <mc:Fallback xmlns="">
-      <p:transition spd="slow"/>
-    </mc:Fallback>
-  </mc:AlternateContent>
 </p:sld>
 </file>
 
@@ -22723,7 +22071,7 @@
           <a:lstStyle/>
           <a:p>
             <a:r>
-              <a:rPr lang="en-GB" dirty="0" smtClean="0"/>
+              <a:rPr lang="en-GB" dirty="0"/>
               <a:t>Lesson 3: Calculations and Measures</a:t>
             </a:r>
             <a:endParaRPr lang="en-US" dirty="0"/>
@@ -22746,7 +22094,7 @@
           <a:lstStyle/>
           <a:p>
             <a:r>
-              <a:rPr lang="en-GB" dirty="0" smtClean="0"/>
+              <a:rPr lang="en-GB" dirty="0"/>
               <a:t>Calculated Columns
 Calculated Tables
 Measures
@@ -22802,10 +22150,9 @@
           <a:lstStyle/>
           <a:p>
             <a:r>
-              <a:rPr lang="en-US" dirty="0" smtClean="0"/>
+              <a:rPr lang="en-US" dirty="0"/>
               <a:t>Calculated Columns</a:t>
             </a:r>
-            <a:endParaRPr lang="en-US" dirty="0"/>
           </a:p>
         </p:txBody>
       </p:sp>
@@ -23128,21 +22475,8 @@
                   <a:srgbClr val="000000"/>
                 </a:solidFill>
               </a:rPr>
-              <a:t>After creating, use in visualizations as you would any other </a:t>
-            </a:r>
-            <a:r>
-              <a:rPr lang="en-US" sz="2000" b="0" kern="0" dirty="0" smtClean="0">
-                <a:solidFill>
-                  <a:srgbClr val="000000"/>
-                </a:solidFill>
-              </a:rPr>
-              <a:t>column</a:t>
-            </a:r>
-            <a:endParaRPr lang="en-US" sz="2000" b="0" kern="0" dirty="0">
-              <a:solidFill>
-                <a:srgbClr val="000000"/>
-              </a:solidFill>
-            </a:endParaRPr>
+              <a:t>After creating, use in visualizations as you would any other column</a:t>
+            </a:r>
           </a:p>
         </p:txBody>
       </p:sp>
@@ -23192,10 +22526,9 @@
           <a:lstStyle/>
           <a:p>
             <a:r>
-              <a:rPr lang="en-US" dirty="0" smtClean="0"/>
+              <a:rPr lang="en-US" dirty="0"/>
               <a:t>Calculated Tables</a:t>
             </a:r>
-            <a:endParaRPr lang="en-US" dirty="0"/>
           </a:p>
         </p:txBody>
       </p:sp>
@@ -23579,10 +22912,9 @@
           <a:lstStyle/>
           <a:p>
             <a:r>
-              <a:rPr lang="en-US" dirty="0" smtClean="0"/>
+              <a:rPr lang="en-US" dirty="0"/>
               <a:t>Measures</a:t>
             </a:r>
-            <a:endParaRPr lang="en-US" dirty="0"/>
           </a:p>
         </p:txBody>
       </p:sp>
@@ -23950,7 +23282,7 @@
           <a:lstStyle/>
           <a:p>
             <a:r>
-              <a:rPr lang="en-GB" sz="2300" dirty="0" smtClean="0"/>
+              <a:rPr lang="en-GB" sz="2300" dirty="0"/>
               <a:t>Demonstration: Creating Calculated Columns and Measures with DAX</a:t>
             </a:r>
             <a:endParaRPr lang="en-US" sz="2300" dirty="0"/>
@@ -24317,14 +23649,6 @@
   <p:clrMapOvr>
     <a:masterClrMapping/>
   </p:clrMapOvr>
-  <mc:AlternateContent xmlns:mc="http://schemas.openxmlformats.org/markup-compatibility/2006" xmlns:p14="http://schemas.microsoft.com/office/powerpoint/2010/main">
-    <mc:Choice Requires="p14">
-      <p:transition spd="slow" p14:dur="2000"/>
-    </mc:Choice>
-    <mc:Fallback xmlns="">
-      <p:transition spd="slow"/>
-    </mc:Fallback>
-  </mc:AlternateContent>
 </p:sld>
 </file>
 
@@ -24393,14 +23717,6 @@
   <p:clrMapOvr>
     <a:masterClrMapping/>
   </p:clrMapOvr>
-  <mc:AlternateContent xmlns:mc="http://schemas.openxmlformats.org/markup-compatibility/2006" xmlns:p14="http://schemas.microsoft.com/office/powerpoint/2010/main">
-    <mc:Choice Requires="p14">
-      <p:transition spd="slow" p14:dur="2000"/>
-    </mc:Choice>
-    <mc:Fallback xmlns="">
-      <p:transition spd="slow"/>
-    </mc:Fallback>
-  </mc:AlternateContent>
 </p:sld>
 </file>
 
@@ -24437,10 +23753,9 @@
           <a:lstStyle/>
           <a:p>
             <a:r>
-              <a:rPr lang="en-US" dirty="0" smtClean="0"/>
+              <a:rPr lang="en-US" dirty="0"/>
               <a:t>Lab: Modeling Data</a:t>
             </a:r>
-            <a:endParaRPr lang="en-US" dirty="0"/>
           </a:p>
         </p:txBody>
       </p:sp>
@@ -24460,11 +23775,10 @@
           <a:lstStyle/>
           <a:p>
             <a:r>
-              <a:rPr lang="en-US" dirty="0" smtClean="0"/>
+              <a:rPr lang="en-US" dirty="0"/>
               <a:t>Exercise 1: Create Relationships
 Exercise 2: Calculations</a:t>
             </a:r>
-            <a:endParaRPr lang="en-US" dirty="0"/>
           </a:p>
         </p:txBody>
       </p:sp>
@@ -24491,14 +23805,11 @@
           <a:lstStyle/>
           <a:p>
             <a:r>
-              <a:rPr lang="en-US" sz="2800" dirty="0" smtClean="0">
+              <a:rPr lang="en-US" sz="2800" dirty="0">
                 <a:latin typeface="Segoe UI" panose="020B0502040204020203" pitchFamily="34" charset="0"/>
               </a:rPr>
               <a:t>Logon Information</a:t>
             </a:r>
-            <a:endParaRPr lang="en-US" sz="2800" dirty="0">
-              <a:latin typeface="Segoe UI" panose="020B0502040204020203" pitchFamily="34" charset="0"/>
-            </a:endParaRPr>
           </a:p>
         </p:txBody>
       </p:sp>
@@ -24602,14 +23913,11 @@
           <a:lstStyle/>
           <a:p>
             <a:r>
-              <a:rPr lang="en-US" sz="2800" dirty="0" smtClean="0">
+              <a:rPr lang="en-US" sz="2800" dirty="0">
                 <a:latin typeface="Segoe UI" panose="020B0502040204020203" pitchFamily="34" charset="0"/>
               </a:rPr>
               <a:t>Estimated Time: 60 minutes</a:t>
             </a:r>
-            <a:endParaRPr lang="en-US" sz="2800" dirty="0">
-              <a:latin typeface="Segoe UI" panose="020B0502040204020203" pitchFamily="34" charset="0"/>
-            </a:endParaRPr>
           </a:p>
         </p:txBody>
       </p:sp>
@@ -24659,10 +23967,9 @@
           <a:lstStyle/>
           <a:p>
             <a:r>
-              <a:rPr lang="en-US" dirty="0" smtClean="0"/>
+              <a:rPr lang="en-US" dirty="0"/>
               <a:t>Lab Scenario</a:t>
             </a:r>
-            <a:endParaRPr lang="en-US" dirty="0"/>
           </a:p>
         </p:txBody>
       </p:sp>
@@ -24702,15 +24009,7 @@
                 <a:ea typeface="Calibri" panose="020F0502020204030204" pitchFamily="34" charset="0"/>
                 <a:cs typeface="Times New Roman" panose="02020603050405020304" pitchFamily="18" charset="0"/>
               </a:rPr>
-              <a:t>Adventure Works employees are increasingly frustrated by the time it takes to implement managed BI services. The existing managed BI infrastructure, including a data warehouse, enterprise data models, and reports and dashboards, are valued sources of decision-making information. However, users increasingly want to explore relationships with other, currently unmanaged data. It takes too long for the IT department to incorporate these requirements into the corporate BI solution</a:t>
-            </a:r>
-            <a:r>
-              <a:rPr lang="en-GB" sz="2800" b="0" dirty="0" smtClean="0">
-                <a:latin typeface="Segoe UI" panose="020B0502040204020203" pitchFamily="34" charset="0"/>
-                <a:ea typeface="Calibri" panose="020F0502020204030204" pitchFamily="34" charset="0"/>
-                <a:cs typeface="Times New Roman" panose="02020603050405020304" pitchFamily="18" charset="0"/>
-              </a:rPr>
-              <a:t>.</a:t>
+              <a:t>Adventure Works employees are increasingly frustrated by the time it takes to implement managed BI services. The existing managed BI infrastructure, including a data warehouse, enterprise data models, and reports and dashboards, are valued sources of decision-making information. However, users increasingly want to explore relationships with other, currently unmanaged data. It takes too long for the IT department to incorporate these requirements into the corporate BI solution.</a:t>
             </a:r>
             <a:endParaRPr lang="en-US" sz="2800" b="0" dirty="0">
               <a:latin typeface="Segoe UI" panose="020B0502040204020203" pitchFamily="34" charset="0"/>
@@ -24766,10 +24065,9 @@
           <a:lstStyle/>
           <a:p>
             <a:r>
-              <a:rPr lang="en-US" dirty="0" smtClean="0"/>
+              <a:rPr lang="en-US" dirty="0"/>
               <a:t>Lesson 1: Relationships</a:t>
             </a:r>
-            <a:endParaRPr lang="en-US" dirty="0"/>
           </a:p>
         </p:txBody>
       </p:sp>
@@ -24789,7 +24087,7 @@
           <a:lstStyle/>
           <a:p>
             <a:r>
-              <a:rPr lang="en-GB" dirty="0" smtClean="0"/>
+              <a:rPr lang="en-GB" dirty="0"/>
               <a:t>What Are Relationships?
 Viewing Relationships
 Creating Relationships
@@ -24847,14 +24145,9 @@
           <a:lstStyle/>
           <a:p>
             <a:r>
-              <a:rPr lang="en-US" dirty="0" smtClean="0"/>
-              <a:t>Lab </a:t>
-            </a:r>
-            <a:r>
-              <a:rPr lang="en-US" dirty="0" smtClean="0"/>
-              <a:t>Scenario (continued)</a:t>
-            </a:r>
-            <a:endParaRPr lang="en-US" dirty="0"/>
+              <a:rPr lang="en-US" dirty="0"/>
+              <a:t>Lab Scenario (continued)</a:t>
+            </a:r>
           </a:p>
         </p:txBody>
       </p:sp>
@@ -24936,10 +24229,9 @@
           <a:lstStyle/>
           <a:p>
             <a:r>
-              <a:rPr lang="en-US" dirty="0" smtClean="0"/>
+              <a:rPr lang="en-US" dirty="0"/>
               <a:t>Lab Review</a:t>
             </a:r>
-            <a:endParaRPr lang="en-US" dirty="0"/>
           </a:p>
         </p:txBody>
       </p:sp>
@@ -25020,10 +24312,9 @@
           <a:lstStyle/>
           <a:p>
             <a:r>
-              <a:rPr lang="en-US" dirty="0" smtClean="0"/>
+              <a:rPr lang="en-US" dirty="0"/>
               <a:t>Module Review and Takeaways</a:t>
             </a:r>
-            <a:endParaRPr lang="en-US" dirty="0"/>
           </a:p>
         </p:txBody>
       </p:sp>
@@ -25098,10 +24389,9 @@
           <a:lstStyle/>
           <a:p>
             <a:r>
-              <a:rPr lang="en-US" dirty="0" smtClean="0"/>
+              <a:rPr lang="en-US" dirty="0"/>
               <a:t>What Are Relationships?</a:t>
             </a:r>
-            <a:endParaRPr lang="en-US" dirty="0"/>
           </a:p>
         </p:txBody>
       </p:sp>
@@ -25442,10 +24732,9 @@
           <a:lstStyle/>
           <a:p>
             <a:r>
-              <a:rPr lang="en-US" dirty="0" smtClean="0"/>
+              <a:rPr lang="en-US" dirty="0"/>
               <a:t>Viewing Relationships</a:t>
             </a:r>
-            <a:endParaRPr lang="en-US" dirty="0"/>
           </a:p>
         </p:txBody>
       </p:sp>
@@ -25797,10 +25086,9 @@
           <a:lstStyle/>
           <a:p>
             <a:r>
-              <a:rPr lang="en-US" dirty="0" smtClean="0"/>
+              <a:rPr lang="en-US" dirty="0"/>
               <a:t>Creating Relationships</a:t>
             </a:r>
-            <a:endParaRPr lang="en-US" dirty="0"/>
           </a:p>
         </p:txBody>
       </p:sp>
@@ -26185,10 +25473,9 @@
           <a:lstStyle/>
           <a:p>
             <a:r>
-              <a:rPr lang="en-US" dirty="0" smtClean="0"/>
+              <a:rPr lang="en-US" dirty="0"/>
               <a:t>Cardinality</a:t>
             </a:r>
-            <a:endParaRPr lang="en-US" dirty="0"/>
           </a:p>
         </p:txBody>
       </p:sp>
@@ -26491,15 +25778,7 @@
                   <a:srgbClr val="000000"/>
                 </a:solidFill>
               </a:rPr>
-              <a:t>: This is the reverse relationship of the Many to One type. In this case, Customers to Sales, with one customer having multiple orders in the Sales </a:t>
-            </a:r>
-            <a:r>
-              <a:rPr lang="en-US" sz="2000" b="0" kern="0" dirty="0" smtClean="0">
-                <a:solidFill>
-                  <a:srgbClr val="000000"/>
-                </a:solidFill>
-              </a:rPr>
-              <a:t>table</a:t>
+              <a:t>: This is the reverse relationship of the Many to One type. In this case, Customers to Sales, with one customer having multiple orders in the Sales table</a:t>
             </a:r>
             <a:endParaRPr lang="en-US" sz="2000" kern="0" dirty="0">
               <a:solidFill>
@@ -26555,10 +25834,9 @@
           <a:lstStyle/>
           <a:p>
             <a:r>
-              <a:rPr lang="en-US" dirty="0" smtClean="0"/>
+              <a:rPr lang="en-US" dirty="0"/>
               <a:t>Cross Filter Direction</a:t>
             </a:r>
-            <a:endParaRPr lang="en-US" dirty="0"/>
           </a:p>
         </p:txBody>
       </p:sp>
@@ -26931,7 +26209,7 @@
           <a:lstStyle/>
           <a:p>
             <a:r>
-              <a:rPr lang="en-GB" dirty="0" smtClean="0"/>
+              <a:rPr lang="en-GB" dirty="0"/>
               <a:t>Demonstration: Viewing Relationships in Power BI</a:t>
             </a:r>
             <a:endParaRPr lang="en-US" dirty="0"/>
